--- a/Slide Revisado 06-06-2024.pptx
+++ b/Slide Revisado 06-06-2024.pptx
@@ -14,21 +14,23 @@
     <p:sldId id="259" r:id="rId9"/>
     <p:sldId id="260" r:id="rId10"/>
     <p:sldId id="261" r:id="rId11"/>
+    <p:sldId id="262" r:id="rId12"/>
+    <p:sldId id="263" r:id="rId13"/>
   </p:sldIdLst>
   <p:sldSz cy="5143500" cx="9144000"/>
   <p:notesSz cx="6858000" cy="9144000"/>
   <p:embeddedFontLst>
     <p:embeddedFont>
       <p:font typeface="Nunito"/>
-      <p:regular r:id="rId12"/>
-      <p:bold r:id="rId13"/>
-      <p:italic r:id="rId14"/>
-      <p:boldItalic r:id="rId15"/>
+      <p:regular r:id="rId14"/>
+      <p:bold r:id="rId15"/>
+      <p:italic r:id="rId16"/>
+      <p:boldItalic r:id="rId17"/>
     </p:embeddedFont>
     <p:embeddedFont>
       <p:font typeface="Maven Pro"/>
-      <p:regular r:id="rId16"/>
-      <p:bold r:id="rId17"/>
+      <p:regular r:id="rId18"/>
+      <p:bold r:id="rId19"/>
     </p:embeddedFont>
   </p:embeddedFontLst>
   <p:defaultTextStyle>
@@ -1255,6 +1257,204 @@
       <p:sp>
         <p:nvSpPr>
           <p:cNvPr id="306" name="Google Shape;306;g211a0ac6523_0_15:notes"/>
+          <p:cNvSpPr txBox="1"/>
+          <p:nvPr>
+            <p:ph idx="1" type="body"/>
+          </p:nvPr>
+        </p:nvSpPr>
+        <p:spPr>
+          <a:xfrm>
+            <a:off x="685800" y="4343400"/>
+            <a:ext cx="5486400" cy="4114800"/>
+          </a:xfrm>
+          <a:prstGeom prst="rect">
+            <a:avLst/>
+          </a:prstGeom>
+        </p:spPr>
+        <p:txBody>
+          <a:bodyPr anchorCtr="0" anchor="t" bIns="91425" lIns="91425" spcFirstLastPara="1" rIns="91425" wrap="square" tIns="91425">
+            <a:noAutofit/>
+          </a:bodyPr>
+          <a:lstStyle/>
+          <a:p>
+            <a:pPr indent="0" lvl="0" marL="0" rtl="0" algn="l">
+              <a:spcBef>
+                <a:spcPts val="0"/>
+              </a:spcBef>
+              <a:spcAft>
+                <a:spcPts val="0"/>
+              </a:spcAft>
+              <a:buNone/>
+            </a:pPr>
+            <a:r>
+              <a:t/>
+            </a:r>
+            <a:endParaRPr/>
+          </a:p>
+        </p:txBody>
+      </p:sp>
+    </p:spTree>
+  </p:cSld>
+  <p:clrMapOvr>
+    <a:masterClrMapping/>
+  </p:clrMapOvr>
+</p:notes>
+</file>
+
+<file path=ppt/notesSlides/notesSlide7.xml><?xml version="1.0" encoding="utf-8"?>
+<p:notes xmlns:a="http://schemas.openxmlformats.org/drawingml/2006/main" xmlns:r="http://schemas.openxmlformats.org/officeDocument/2006/relationships" xmlns:mc="http://schemas.openxmlformats.org/markup-compatibility/2006" xmlns:mv="urn:schemas-microsoft-com:mac:vml" xmlns:p="http://schemas.openxmlformats.org/presentationml/2006/main" xmlns:c="http://schemas.openxmlformats.org/drawingml/2006/chart" xmlns:dgm="http://schemas.openxmlformats.org/drawingml/2006/diagram" xmlns:o="urn:schemas-microsoft-com:office:office" xmlns:v="urn:schemas-microsoft-com:vml" xmlns:pvml="urn:schemas-microsoft-com:office:powerpoint" xmlns:com="http://schemas.openxmlformats.org/drawingml/2006/compatibility" xmlns:p14="http://schemas.microsoft.com/office/powerpoint/2010/main" xmlns:p15="http://schemas.microsoft.com/office/powerpoint/2012/main" xmlns:ahyp="http://schemas.microsoft.com/office/drawing/2018/hyperlinkcolor" showMasterPhAnim="0" showMasterSp="0">
+  <p:cSld>
+    <p:spTree>
+      <p:nvGrpSpPr>
+        <p:cNvPr id="309" name="Shape 309"/>
+        <p:cNvGrpSpPr/>
+        <p:nvPr/>
+      </p:nvGrpSpPr>
+      <p:grpSpPr>
+        <a:xfrm>
+          <a:off x="0" y="0"/>
+          <a:ext cx="0" cy="0"/>
+          <a:chOff x="0" y="0"/>
+          <a:chExt cx="0" cy="0"/>
+        </a:xfrm>
+      </p:grpSpPr>
+      <p:sp>
+        <p:nvSpPr>
+          <p:cNvPr id="310" name="Google Shape;310;g28f7ef9cfe7_0_9:notes"/>
+          <p:cNvSpPr/>
+          <p:nvPr>
+            <p:ph idx="2" type="sldImg"/>
+          </p:nvPr>
+        </p:nvSpPr>
+        <p:spPr>
+          <a:xfrm>
+            <a:off x="381300" y="685800"/>
+            <a:ext cx="6096000" cy="3429000"/>
+          </a:xfrm>
+          <a:custGeom>
+            <a:rect b="b" l="l" r="r" t="t"/>
+            <a:pathLst>
+              <a:path extrusionOk="0" h="120000" w="120000">
+                <a:moveTo>
+                  <a:pt x="0" y="0"/>
+                </a:moveTo>
+                <a:lnTo>
+                  <a:pt x="120000" y="0"/>
+                </a:lnTo>
+                <a:lnTo>
+                  <a:pt x="120000" y="120000"/>
+                </a:lnTo>
+                <a:lnTo>
+                  <a:pt x="0" y="120000"/>
+                </a:lnTo>
+                <a:close/>
+              </a:path>
+            </a:pathLst>
+          </a:custGeom>
+        </p:spPr>
+      </p:sp>
+      <p:sp>
+        <p:nvSpPr>
+          <p:cNvPr id="311" name="Google Shape;311;g28f7ef9cfe7_0_9:notes"/>
+          <p:cNvSpPr txBox="1"/>
+          <p:nvPr>
+            <p:ph idx="1" type="body"/>
+          </p:nvPr>
+        </p:nvSpPr>
+        <p:spPr>
+          <a:xfrm>
+            <a:off x="685800" y="4343400"/>
+            <a:ext cx="5486400" cy="4114800"/>
+          </a:xfrm>
+          <a:prstGeom prst="rect">
+            <a:avLst/>
+          </a:prstGeom>
+        </p:spPr>
+        <p:txBody>
+          <a:bodyPr anchorCtr="0" anchor="t" bIns="91425" lIns="91425" spcFirstLastPara="1" rIns="91425" wrap="square" tIns="91425">
+            <a:noAutofit/>
+          </a:bodyPr>
+          <a:lstStyle/>
+          <a:p>
+            <a:pPr indent="0" lvl="0" marL="0" rtl="0" algn="l">
+              <a:spcBef>
+                <a:spcPts val="0"/>
+              </a:spcBef>
+              <a:spcAft>
+                <a:spcPts val="0"/>
+              </a:spcAft>
+              <a:buNone/>
+            </a:pPr>
+            <a:r>
+              <a:t/>
+            </a:r>
+            <a:endParaRPr/>
+          </a:p>
+        </p:txBody>
+      </p:sp>
+    </p:spTree>
+  </p:cSld>
+  <p:clrMapOvr>
+    <a:masterClrMapping/>
+  </p:clrMapOvr>
+</p:notes>
+</file>
+
+<file path=ppt/notesSlides/notesSlide8.xml><?xml version="1.0" encoding="utf-8"?>
+<p:notes xmlns:a="http://schemas.openxmlformats.org/drawingml/2006/main" xmlns:r="http://schemas.openxmlformats.org/officeDocument/2006/relationships" xmlns:mc="http://schemas.openxmlformats.org/markup-compatibility/2006" xmlns:mv="urn:schemas-microsoft-com:mac:vml" xmlns:p="http://schemas.openxmlformats.org/presentationml/2006/main" xmlns:c="http://schemas.openxmlformats.org/drawingml/2006/chart" xmlns:dgm="http://schemas.openxmlformats.org/drawingml/2006/diagram" xmlns:o="urn:schemas-microsoft-com:office:office" xmlns:v="urn:schemas-microsoft-com:vml" xmlns:pvml="urn:schemas-microsoft-com:office:powerpoint" xmlns:com="http://schemas.openxmlformats.org/drawingml/2006/compatibility" xmlns:p14="http://schemas.microsoft.com/office/powerpoint/2010/main" xmlns:p15="http://schemas.microsoft.com/office/powerpoint/2012/main" xmlns:ahyp="http://schemas.microsoft.com/office/drawing/2018/hyperlinkcolor" showMasterPhAnim="0" showMasterSp="0">
+  <p:cSld>
+    <p:spTree>
+      <p:nvGrpSpPr>
+        <p:cNvPr id="315" name="Shape 315"/>
+        <p:cNvGrpSpPr/>
+        <p:nvPr/>
+      </p:nvGrpSpPr>
+      <p:grpSpPr>
+        <a:xfrm>
+          <a:off x="0" y="0"/>
+          <a:ext cx="0" cy="0"/>
+          <a:chOff x="0" y="0"/>
+          <a:chExt cx="0" cy="0"/>
+        </a:xfrm>
+      </p:grpSpPr>
+      <p:sp>
+        <p:nvSpPr>
+          <p:cNvPr id="316" name="Google Shape;316;g28f7ef9cfe7_0_16:notes"/>
+          <p:cNvSpPr/>
+          <p:nvPr>
+            <p:ph idx="2" type="sldImg"/>
+          </p:nvPr>
+        </p:nvSpPr>
+        <p:spPr>
+          <a:xfrm>
+            <a:off x="381300" y="685800"/>
+            <a:ext cx="6096000" cy="3429000"/>
+          </a:xfrm>
+          <a:custGeom>
+            <a:rect b="b" l="l" r="r" t="t"/>
+            <a:pathLst>
+              <a:path extrusionOk="0" h="120000" w="120000">
+                <a:moveTo>
+                  <a:pt x="0" y="0"/>
+                </a:moveTo>
+                <a:lnTo>
+                  <a:pt x="120000" y="0"/>
+                </a:lnTo>
+                <a:lnTo>
+                  <a:pt x="120000" y="120000"/>
+                </a:lnTo>
+                <a:lnTo>
+                  <a:pt x="0" y="120000"/>
+                </a:lnTo>
+                <a:close/>
+              </a:path>
+            </a:pathLst>
+          </a:custGeom>
+        </p:spPr>
+      </p:sp>
+      <p:sp>
+        <p:nvSpPr>
+          <p:cNvPr id="317" name="Google Shape;317;g28f7ef9cfe7_0_16:notes"/>
           <p:cNvSpPr txBox="1"/>
           <p:nvPr>
             <p:ph idx="1" type="body"/>
@@ -16441,6 +16641,170 @@
 </p:sld>
 </file>
 
+<file path=ppt/slides/slide7.xml><?xml version="1.0" encoding="utf-8"?>
+<p:sld xmlns:a="http://schemas.openxmlformats.org/drawingml/2006/main" xmlns:r="http://schemas.openxmlformats.org/officeDocument/2006/relationships" xmlns:mc="http://schemas.openxmlformats.org/markup-compatibility/2006" xmlns:mv="urn:schemas-microsoft-com:mac:vml" xmlns:p="http://schemas.openxmlformats.org/presentationml/2006/main" xmlns:c="http://schemas.openxmlformats.org/drawingml/2006/chart" xmlns:dgm="http://schemas.openxmlformats.org/drawingml/2006/diagram" xmlns:o="urn:schemas-microsoft-com:office:office" xmlns:v="urn:schemas-microsoft-com:vml" xmlns:pvml="urn:schemas-microsoft-com:office:powerpoint" xmlns:com="http://schemas.openxmlformats.org/drawingml/2006/compatibility" xmlns:p14="http://schemas.microsoft.com/office/powerpoint/2010/main" xmlns:p15="http://schemas.microsoft.com/office/powerpoint/2012/main" xmlns:ahyp="http://schemas.microsoft.com/office/drawing/2018/hyperlinkcolor">
+  <p:cSld>
+    <p:spTree>
+      <p:nvGrpSpPr>
+        <p:cNvPr id="312" name="Shape 312"/>
+        <p:cNvGrpSpPr/>
+        <p:nvPr/>
+      </p:nvGrpSpPr>
+      <p:grpSpPr>
+        <a:xfrm>
+          <a:off x="0" y="0"/>
+          <a:ext cx="0" cy="0"/>
+          <a:chOff x="0" y="0"/>
+          <a:chExt cx="0" cy="0"/>
+        </a:xfrm>
+      </p:grpSpPr>
+      <p:pic>
+        <p:nvPicPr>
+          <p:cNvPr id="313" name="Google Shape;313;p19"/>
+          <p:cNvPicPr preferRelativeResize="0"/>
+          <p:nvPr/>
+        </p:nvPicPr>
+        <p:blipFill>
+          <a:blip r:embed="rId3">
+            <a:alphaModFix/>
+          </a:blip>
+          <a:stretch>
+            <a:fillRect/>
+          </a:stretch>
+        </p:blipFill>
+        <p:spPr>
+          <a:xfrm>
+            <a:off x="152400" y="684813"/>
+            <a:ext cx="8839199" cy="3773866"/>
+          </a:xfrm>
+          <a:prstGeom prst="rect">
+            <a:avLst/>
+          </a:prstGeom>
+          <a:noFill/>
+          <a:ln>
+            <a:noFill/>
+          </a:ln>
+        </p:spPr>
+      </p:pic>
+      <p:sp>
+        <p:nvSpPr>
+          <p:cNvPr id="314" name="Google Shape;314;p19"/>
+          <p:cNvSpPr txBox="1"/>
+          <p:nvPr/>
+        </p:nvSpPr>
+        <p:spPr>
+          <a:xfrm>
+            <a:off x="3085200" y="0"/>
+            <a:ext cx="2973600" cy="524100"/>
+          </a:xfrm>
+          <a:prstGeom prst="rect">
+            <a:avLst/>
+          </a:prstGeom>
+          <a:noFill/>
+          <a:ln>
+            <a:noFill/>
+          </a:ln>
+        </p:spPr>
+        <p:txBody>
+          <a:bodyPr anchorCtr="0" anchor="t" bIns="91425" lIns="91425" spcFirstLastPara="1" rIns="91425" wrap="square" tIns="91425">
+            <a:noAutofit/>
+          </a:bodyPr>
+          <a:lstStyle/>
+          <a:p>
+            <a:pPr indent="0" lvl="0" marL="0" rtl="0" algn="ctr">
+              <a:spcBef>
+                <a:spcPts val="0"/>
+              </a:spcBef>
+              <a:spcAft>
+                <a:spcPts val="0"/>
+              </a:spcAft>
+              <a:buNone/>
+            </a:pPr>
+            <a:r>
+              <a:rPr b="1" lang="pt-BR" sz="1800">
+                <a:solidFill>
+                  <a:srgbClr val="FFFFFF"/>
+                </a:solidFill>
+                <a:latin typeface="Nunito"/>
+                <a:ea typeface="Nunito"/>
+                <a:cs typeface="Nunito"/>
+                <a:sym typeface="Nunito"/>
+              </a:rPr>
+              <a:t>Modelo Conceitual</a:t>
+            </a:r>
+            <a:endParaRPr b="1" sz="1800">
+              <a:solidFill>
+                <a:srgbClr val="FFFFFF"/>
+              </a:solidFill>
+              <a:latin typeface="Nunito"/>
+              <a:ea typeface="Nunito"/>
+              <a:cs typeface="Nunito"/>
+              <a:sym typeface="Nunito"/>
+            </a:endParaRPr>
+          </a:p>
+        </p:txBody>
+      </p:sp>
+    </p:spTree>
+  </p:cSld>
+  <p:clrMapOvr>
+    <a:masterClrMapping/>
+  </p:clrMapOvr>
+</p:sld>
+</file>
+
+<file path=ppt/slides/slide8.xml><?xml version="1.0" encoding="utf-8"?>
+<p:sld xmlns:a="http://schemas.openxmlformats.org/drawingml/2006/main" xmlns:r="http://schemas.openxmlformats.org/officeDocument/2006/relationships" xmlns:mc="http://schemas.openxmlformats.org/markup-compatibility/2006" xmlns:mv="urn:schemas-microsoft-com:mac:vml" xmlns:p="http://schemas.openxmlformats.org/presentationml/2006/main" xmlns:c="http://schemas.openxmlformats.org/drawingml/2006/chart" xmlns:dgm="http://schemas.openxmlformats.org/drawingml/2006/diagram" xmlns:o="urn:schemas-microsoft-com:office:office" xmlns:v="urn:schemas-microsoft-com:vml" xmlns:pvml="urn:schemas-microsoft-com:office:powerpoint" xmlns:com="http://schemas.openxmlformats.org/drawingml/2006/compatibility" xmlns:p14="http://schemas.microsoft.com/office/powerpoint/2010/main" xmlns:p15="http://schemas.microsoft.com/office/powerpoint/2012/main" xmlns:ahyp="http://schemas.microsoft.com/office/drawing/2018/hyperlinkcolor">
+  <p:cSld>
+    <p:spTree>
+      <p:nvGrpSpPr>
+        <p:cNvPr id="318" name="Shape 318"/>
+        <p:cNvGrpSpPr/>
+        <p:nvPr/>
+      </p:nvGrpSpPr>
+      <p:grpSpPr>
+        <a:xfrm>
+          <a:off x="0" y="0"/>
+          <a:ext cx="0" cy="0"/>
+          <a:chOff x="0" y="0"/>
+          <a:chExt cx="0" cy="0"/>
+        </a:xfrm>
+      </p:grpSpPr>
+      <p:pic>
+        <p:nvPicPr>
+          <p:cNvPr id="319" name="Google Shape;319;p20"/>
+          <p:cNvPicPr preferRelativeResize="0"/>
+          <p:nvPr/>
+        </p:nvPicPr>
+        <p:blipFill>
+          <a:blip r:embed="rId3">
+            <a:alphaModFix/>
+          </a:blip>
+          <a:stretch>
+            <a:fillRect/>
+          </a:stretch>
+        </p:blipFill>
+        <p:spPr>
+          <a:xfrm>
+            <a:off x="2110613" y="152400"/>
+            <a:ext cx="4922770" cy="4838700"/>
+          </a:xfrm>
+          <a:prstGeom prst="rect">
+            <a:avLst/>
+          </a:prstGeom>
+          <a:noFill/>
+          <a:ln>
+            <a:noFill/>
+          </a:ln>
+        </p:spPr>
+      </p:pic>
+    </p:spTree>
+  </p:cSld>
+  <p:clrMapOvr>
+    <a:masterClrMapping/>
+  </p:clrMapOvr>
+</p:sld>
+</file>
+
 <file path=ppt/theme/theme1.xml><?xml version="1.0" encoding="utf-8"?>
 <a:theme xmlns:a="http://schemas.openxmlformats.org/drawingml/2006/main" xmlns:r="http://schemas.openxmlformats.org/officeDocument/2006/relationships">
   <a:themeElements>

--- a/Slide Revisado 06-06-2024.pptx
+++ b/Slide Revisado 06-06-2024.pptx
@@ -1108,7 +1108,7 @@
   <p:cSld>
     <p:spTree>
       <p:nvGrpSpPr>
-        <p:cNvPr id="298" name="Shape 298"/>
+        <p:cNvPr id="299" name="Shape 299"/>
         <p:cNvGrpSpPr/>
         <p:nvPr/>
       </p:nvGrpSpPr>
@@ -1122,7 +1122,7 @@
       </p:grpSpPr>
       <p:sp>
         <p:nvSpPr>
-          <p:cNvPr id="299" name="Google Shape;299;g211a0ac6523_0_10:notes"/>
+          <p:cNvPr id="300" name="Google Shape;300;g211a0ac6523_0_10:notes"/>
           <p:cNvSpPr/>
           <p:nvPr>
             <p:ph idx="2" type="sldImg"/>
@@ -1157,7 +1157,7 @@
       </p:sp>
       <p:sp>
         <p:nvSpPr>
-          <p:cNvPr id="300" name="Google Shape;300;g211a0ac6523_0_10:notes"/>
+          <p:cNvPr id="301" name="Google Shape;301;g211a0ac6523_0_10:notes"/>
           <p:cNvSpPr txBox="1"/>
           <p:nvPr>
             <p:ph idx="1" type="body"/>
@@ -1207,7 +1207,7 @@
   <p:cSld>
     <p:spTree>
       <p:nvGrpSpPr>
-        <p:cNvPr id="304" name="Shape 304"/>
+        <p:cNvPr id="305" name="Shape 305"/>
         <p:cNvGrpSpPr/>
         <p:nvPr/>
       </p:nvGrpSpPr>
@@ -1221,7 +1221,7 @@
       </p:grpSpPr>
       <p:sp>
         <p:nvSpPr>
-          <p:cNvPr id="305" name="Google Shape;305;g211a0ac6523_0_15:notes"/>
+          <p:cNvPr id="306" name="Google Shape;306;g211a0ac6523_0_15:notes"/>
           <p:cNvSpPr/>
           <p:nvPr>
             <p:ph idx="2" type="sldImg"/>
@@ -1256,7 +1256,7 @@
       </p:sp>
       <p:sp>
         <p:nvSpPr>
-          <p:cNvPr id="306" name="Google Shape;306;g211a0ac6523_0_15:notes"/>
+          <p:cNvPr id="307" name="Google Shape;307;g211a0ac6523_0_15:notes"/>
           <p:cNvSpPr txBox="1"/>
           <p:nvPr>
             <p:ph idx="1" type="body"/>
@@ -1306,7 +1306,7 @@
   <p:cSld>
     <p:spTree>
       <p:nvGrpSpPr>
-        <p:cNvPr id="309" name="Shape 309"/>
+        <p:cNvPr id="310" name="Shape 310"/>
         <p:cNvGrpSpPr/>
         <p:nvPr/>
       </p:nvGrpSpPr>
@@ -1320,7 +1320,7 @@
       </p:grpSpPr>
       <p:sp>
         <p:nvSpPr>
-          <p:cNvPr id="310" name="Google Shape;310;g28f7ef9cfe7_0_9:notes"/>
+          <p:cNvPr id="311" name="Google Shape;311;g28f7ef9cfe7_0_9:notes"/>
           <p:cNvSpPr/>
           <p:nvPr>
             <p:ph idx="2" type="sldImg"/>
@@ -1355,7 +1355,7 @@
       </p:sp>
       <p:sp>
         <p:nvSpPr>
-          <p:cNvPr id="311" name="Google Shape;311;g28f7ef9cfe7_0_9:notes"/>
+          <p:cNvPr id="312" name="Google Shape;312;g28f7ef9cfe7_0_9:notes"/>
           <p:cNvSpPr txBox="1"/>
           <p:nvPr>
             <p:ph idx="1" type="body"/>
@@ -1405,7 +1405,7 @@
   <p:cSld>
     <p:spTree>
       <p:nvGrpSpPr>
-        <p:cNvPr id="315" name="Shape 315"/>
+        <p:cNvPr id="316" name="Shape 316"/>
         <p:cNvGrpSpPr/>
         <p:nvPr/>
       </p:nvGrpSpPr>
@@ -1419,7 +1419,7 @@
       </p:grpSpPr>
       <p:sp>
         <p:nvSpPr>
-          <p:cNvPr id="316" name="Google Shape;316;g28f7ef9cfe7_0_16:notes"/>
+          <p:cNvPr id="317" name="Google Shape;317;g28f7ef9cfe7_0_16:notes"/>
           <p:cNvSpPr/>
           <p:nvPr>
             <p:ph idx="2" type="sldImg"/>
@@ -1454,7 +1454,7 @@
       </p:sp>
       <p:sp>
         <p:nvSpPr>
-          <p:cNvPr id="317" name="Google Shape;317;g28f7ef9cfe7_0_16:notes"/>
+          <p:cNvPr id="318" name="Google Shape;318;g28f7ef9cfe7_0_16:notes"/>
           <p:cNvSpPr txBox="1"/>
           <p:nvPr>
             <p:ph idx="1" type="body"/>
@@ -16499,6 +16499,64 @@
           </a:ln>
         </p:spPr>
       </p:pic>
+      <p:sp>
+        <p:nvSpPr>
+          <p:cNvPr id="298" name="Google Shape;298;p16"/>
+          <p:cNvSpPr txBox="1"/>
+          <p:nvPr/>
+        </p:nvSpPr>
+        <p:spPr>
+          <a:xfrm>
+            <a:off x="6469600" y="1634125"/>
+            <a:ext cx="495600" cy="321600"/>
+          </a:xfrm>
+          <a:prstGeom prst="rect">
+            <a:avLst/>
+          </a:prstGeom>
+          <a:noFill/>
+          <a:ln>
+            <a:noFill/>
+          </a:ln>
+        </p:spPr>
+        <p:txBody>
+          <a:bodyPr anchorCtr="0" anchor="t" bIns="91425" lIns="91425" spcFirstLastPara="1" rIns="91425" wrap="square" tIns="91425">
+            <a:noAutofit/>
+          </a:bodyPr>
+          <a:lstStyle/>
+          <a:p>
+            <a:pPr indent="0" lvl="0" marL="0" rtl="0" algn="l">
+              <a:spcBef>
+                <a:spcPts val="0"/>
+              </a:spcBef>
+              <a:spcAft>
+                <a:spcPts val="0"/>
+              </a:spcAft>
+              <a:buNone/>
+            </a:pPr>
+            <a:r>
+              <a:rPr lang="pt-BR" sz="1300">
+                <a:solidFill>
+                  <a:schemeClr val="dk2"/>
+                </a:solidFill>
+                <a:latin typeface="Nunito"/>
+                <a:ea typeface="Nunito"/>
+                <a:cs typeface="Nunito"/>
+                <a:sym typeface="Nunito"/>
+              </a:rPr>
+              <a:t>100</a:t>
+            </a:r>
+            <a:endParaRPr sz="1300">
+              <a:solidFill>
+                <a:schemeClr val="dk2"/>
+              </a:solidFill>
+              <a:latin typeface="Nunito"/>
+              <a:ea typeface="Nunito"/>
+              <a:cs typeface="Nunito"/>
+              <a:sym typeface="Nunito"/>
+            </a:endParaRPr>
+          </a:p>
+        </p:txBody>
+      </p:sp>
     </p:spTree>
   </p:cSld>
   <p:clrMapOvr>
@@ -16512,7 +16570,7 @@
   <p:cSld>
     <p:spTree>
       <p:nvGrpSpPr>
-        <p:cNvPr id="301" name="Shape 301"/>
+        <p:cNvPr id="302" name="Shape 302"/>
         <p:cNvGrpSpPr/>
         <p:nvPr/>
       </p:nvGrpSpPr>
@@ -16526,7 +16584,7 @@
       </p:grpSpPr>
       <p:pic>
         <p:nvPicPr>
-          <p:cNvPr id="302" name="Google Shape;302;p17"/>
+          <p:cNvPr id="303" name="Google Shape;303;p17"/>
           <p:cNvPicPr preferRelativeResize="0"/>
           <p:nvPr/>
         </p:nvPicPr>
@@ -16554,7 +16612,7 @@
       </p:pic>
       <p:pic>
         <p:nvPicPr>
-          <p:cNvPr id="303" name="Google Shape;303;p17"/>
+          <p:cNvPr id="304" name="Google Shape;304;p17"/>
           <p:cNvPicPr preferRelativeResize="0"/>
           <p:nvPr/>
         </p:nvPicPr>
@@ -16593,7 +16651,7 @@
   <p:cSld>
     <p:spTree>
       <p:nvGrpSpPr>
-        <p:cNvPr id="307" name="Shape 307"/>
+        <p:cNvPr id="308" name="Shape 308"/>
         <p:cNvGrpSpPr/>
         <p:nvPr/>
       </p:nvGrpSpPr>
@@ -16607,7 +16665,7 @@
       </p:grpSpPr>
       <p:pic>
         <p:nvPicPr>
-          <p:cNvPr id="308" name="Google Shape;308;p18"/>
+          <p:cNvPr id="309" name="Google Shape;309;p18"/>
           <p:cNvPicPr preferRelativeResize="0"/>
           <p:nvPr/>
         </p:nvPicPr>
@@ -16646,7 +16704,7 @@
   <p:cSld>
     <p:spTree>
       <p:nvGrpSpPr>
-        <p:cNvPr id="312" name="Shape 312"/>
+        <p:cNvPr id="313" name="Shape 313"/>
         <p:cNvGrpSpPr/>
         <p:nvPr/>
       </p:nvGrpSpPr>
@@ -16660,7 +16718,7 @@
       </p:grpSpPr>
       <p:pic>
         <p:nvPicPr>
-          <p:cNvPr id="313" name="Google Shape;313;p19"/>
+          <p:cNvPr id="314" name="Google Shape;314;p19"/>
           <p:cNvPicPr preferRelativeResize="0"/>
           <p:nvPr/>
         </p:nvPicPr>
@@ -16688,7 +16746,7 @@
       </p:pic>
       <p:sp>
         <p:nvSpPr>
-          <p:cNvPr id="314" name="Google Shape;314;p19"/>
+          <p:cNvPr id="315" name="Google Shape;315;p19"/>
           <p:cNvSpPr txBox="1"/>
           <p:nvPr/>
         </p:nvSpPr>
@@ -16757,7 +16815,7 @@
   <p:cSld>
     <p:spTree>
       <p:nvGrpSpPr>
-        <p:cNvPr id="318" name="Shape 318"/>
+        <p:cNvPr id="319" name="Shape 319"/>
         <p:cNvGrpSpPr/>
         <p:nvPr/>
       </p:nvGrpSpPr>
@@ -16771,7 +16829,7 @@
       </p:grpSpPr>
       <p:pic>
         <p:nvPicPr>
-          <p:cNvPr id="319" name="Google Shape;319;p20"/>
+          <p:cNvPr id="320" name="Google Shape;320;p20"/>
           <p:cNvPicPr preferRelativeResize="0"/>
           <p:nvPr/>
         </p:nvPicPr>

--- a/Slide Revisado 06-06-2024.pptx
+++ b/Slide Revisado 06-06-2024.pptx
@@ -16,21 +16,22 @@
     <p:sldId id="261" r:id="rId11"/>
     <p:sldId id="262" r:id="rId12"/>
     <p:sldId id="263" r:id="rId13"/>
+    <p:sldId id="264" r:id="rId14"/>
   </p:sldIdLst>
   <p:sldSz cy="5143500" cx="9144000"/>
   <p:notesSz cx="6858000" cy="9144000"/>
   <p:embeddedFontLst>
     <p:embeddedFont>
       <p:font typeface="Nunito"/>
-      <p:regular r:id="rId14"/>
-      <p:bold r:id="rId15"/>
-      <p:italic r:id="rId16"/>
-      <p:boldItalic r:id="rId17"/>
+      <p:regular r:id="rId15"/>
+      <p:bold r:id="rId16"/>
+      <p:italic r:id="rId17"/>
+      <p:boldItalic r:id="rId18"/>
     </p:embeddedFont>
     <p:embeddedFont>
       <p:font typeface="Maven Pro"/>
-      <p:regular r:id="rId18"/>
-      <p:bold r:id="rId19"/>
+      <p:regular r:id="rId19"/>
+      <p:bold r:id="rId20"/>
     </p:embeddedFont>
   </p:embeddedFontLst>
   <p:defaultTextStyle>
@@ -924,7 +925,7 @@
       </p:grpSpPr>
       <p:sp>
         <p:nvSpPr>
-          <p:cNvPr id="286" name="Google Shape;286;g211a0ac6523_0_0:notes"/>
+          <p:cNvPr id="286" name="Google Shape;286;g28f7ef9cfe7_1_0:notes"/>
           <p:cNvSpPr/>
           <p:nvPr>
             <p:ph idx="2" type="sldImg"/>
@@ -959,7 +960,7 @@
       </p:sp>
       <p:sp>
         <p:nvSpPr>
-          <p:cNvPr id="287" name="Google Shape;287;g211a0ac6523_0_0:notes"/>
+          <p:cNvPr id="287" name="Google Shape;287;g28f7ef9cfe7_1_0:notes"/>
           <p:cNvSpPr txBox="1"/>
           <p:nvPr>
             <p:ph idx="1" type="body"/>
@@ -1009,7 +1010,7 @@
   <p:cSld>
     <p:spTree>
       <p:nvGrpSpPr>
-        <p:cNvPr id="292" name="Shape 292"/>
+        <p:cNvPr id="291" name="Shape 291"/>
         <p:cNvGrpSpPr/>
         <p:nvPr/>
       </p:nvGrpSpPr>
@@ -1023,7 +1024,7 @@
       </p:grpSpPr>
       <p:sp>
         <p:nvSpPr>
-          <p:cNvPr id="293" name="Google Shape;293;g211a0ac6523_0_5:notes"/>
+          <p:cNvPr id="292" name="Google Shape;292;g211a0ac6523_0_0:notes"/>
           <p:cNvSpPr/>
           <p:nvPr>
             <p:ph idx="2" type="sldImg"/>
@@ -1058,7 +1059,7 @@
       </p:sp>
       <p:sp>
         <p:nvSpPr>
-          <p:cNvPr id="294" name="Google Shape;294;g211a0ac6523_0_5:notes"/>
+          <p:cNvPr id="293" name="Google Shape;293;g211a0ac6523_0_0:notes"/>
           <p:cNvSpPr txBox="1"/>
           <p:nvPr>
             <p:ph idx="1" type="body"/>
@@ -1108,7 +1109,7 @@
   <p:cSld>
     <p:spTree>
       <p:nvGrpSpPr>
-        <p:cNvPr id="299" name="Shape 299"/>
+        <p:cNvPr id="298" name="Shape 298"/>
         <p:cNvGrpSpPr/>
         <p:nvPr/>
       </p:nvGrpSpPr>
@@ -1122,7 +1123,7 @@
       </p:grpSpPr>
       <p:sp>
         <p:nvSpPr>
-          <p:cNvPr id="300" name="Google Shape;300;g211a0ac6523_0_10:notes"/>
+          <p:cNvPr id="299" name="Google Shape;299;g211a0ac6523_0_5:notes"/>
           <p:cNvSpPr/>
           <p:nvPr>
             <p:ph idx="2" type="sldImg"/>
@@ -1157,7 +1158,7 @@
       </p:sp>
       <p:sp>
         <p:nvSpPr>
-          <p:cNvPr id="301" name="Google Shape;301;g211a0ac6523_0_10:notes"/>
+          <p:cNvPr id="300" name="Google Shape;300;g211a0ac6523_0_5:notes"/>
           <p:cNvSpPr txBox="1"/>
           <p:nvPr>
             <p:ph idx="1" type="body"/>
@@ -1221,7 +1222,7 @@
       </p:grpSpPr>
       <p:sp>
         <p:nvSpPr>
-          <p:cNvPr id="306" name="Google Shape;306;g211a0ac6523_0_15:notes"/>
+          <p:cNvPr id="306" name="Google Shape;306;g211a0ac6523_0_10:notes"/>
           <p:cNvSpPr/>
           <p:nvPr>
             <p:ph idx="2" type="sldImg"/>
@@ -1256,7 +1257,7 @@
       </p:sp>
       <p:sp>
         <p:nvSpPr>
-          <p:cNvPr id="307" name="Google Shape;307;g211a0ac6523_0_15:notes"/>
+          <p:cNvPr id="307" name="Google Shape;307;g211a0ac6523_0_10:notes"/>
           <p:cNvSpPr txBox="1"/>
           <p:nvPr>
             <p:ph idx="1" type="body"/>
@@ -1306,7 +1307,7 @@
   <p:cSld>
     <p:spTree>
       <p:nvGrpSpPr>
-        <p:cNvPr id="310" name="Shape 310"/>
+        <p:cNvPr id="311" name="Shape 311"/>
         <p:cNvGrpSpPr/>
         <p:nvPr/>
       </p:nvGrpSpPr>
@@ -1320,7 +1321,7 @@
       </p:grpSpPr>
       <p:sp>
         <p:nvSpPr>
-          <p:cNvPr id="311" name="Google Shape;311;g28f7ef9cfe7_0_9:notes"/>
+          <p:cNvPr id="312" name="Google Shape;312;g211a0ac6523_0_15:notes"/>
           <p:cNvSpPr/>
           <p:nvPr>
             <p:ph idx="2" type="sldImg"/>
@@ -1355,7 +1356,7 @@
       </p:sp>
       <p:sp>
         <p:nvSpPr>
-          <p:cNvPr id="312" name="Google Shape;312;g28f7ef9cfe7_0_9:notes"/>
+          <p:cNvPr id="313" name="Google Shape;313;g211a0ac6523_0_15:notes"/>
           <p:cNvSpPr txBox="1"/>
           <p:nvPr>
             <p:ph idx="1" type="body"/>
@@ -1419,7 +1420,7 @@
       </p:grpSpPr>
       <p:sp>
         <p:nvSpPr>
-          <p:cNvPr id="317" name="Google Shape;317;g28f7ef9cfe7_0_16:notes"/>
+          <p:cNvPr id="317" name="Google Shape;317;g28f7ef9cfe7_0_9:notes"/>
           <p:cNvSpPr/>
           <p:nvPr>
             <p:ph idx="2" type="sldImg"/>
@@ -1454,7 +1455,106 @@
       </p:sp>
       <p:sp>
         <p:nvSpPr>
-          <p:cNvPr id="318" name="Google Shape;318;g28f7ef9cfe7_0_16:notes"/>
+          <p:cNvPr id="318" name="Google Shape;318;g28f7ef9cfe7_0_9:notes"/>
+          <p:cNvSpPr txBox="1"/>
+          <p:nvPr>
+            <p:ph idx="1" type="body"/>
+          </p:nvPr>
+        </p:nvSpPr>
+        <p:spPr>
+          <a:xfrm>
+            <a:off x="685800" y="4343400"/>
+            <a:ext cx="5486400" cy="4114800"/>
+          </a:xfrm>
+          <a:prstGeom prst="rect">
+            <a:avLst/>
+          </a:prstGeom>
+        </p:spPr>
+        <p:txBody>
+          <a:bodyPr anchorCtr="0" anchor="t" bIns="91425" lIns="91425" spcFirstLastPara="1" rIns="91425" wrap="square" tIns="91425">
+            <a:noAutofit/>
+          </a:bodyPr>
+          <a:lstStyle/>
+          <a:p>
+            <a:pPr indent="0" lvl="0" marL="0" rtl="0" algn="l">
+              <a:spcBef>
+                <a:spcPts val="0"/>
+              </a:spcBef>
+              <a:spcAft>
+                <a:spcPts val="0"/>
+              </a:spcAft>
+              <a:buNone/>
+            </a:pPr>
+            <a:r>
+              <a:t/>
+            </a:r>
+            <a:endParaRPr/>
+          </a:p>
+        </p:txBody>
+      </p:sp>
+    </p:spTree>
+  </p:cSld>
+  <p:clrMapOvr>
+    <a:masterClrMapping/>
+  </p:clrMapOvr>
+</p:notes>
+</file>
+
+<file path=ppt/notesSlides/notesSlide9.xml><?xml version="1.0" encoding="utf-8"?>
+<p:notes xmlns:a="http://schemas.openxmlformats.org/drawingml/2006/main" xmlns:r="http://schemas.openxmlformats.org/officeDocument/2006/relationships" xmlns:mc="http://schemas.openxmlformats.org/markup-compatibility/2006" xmlns:mv="urn:schemas-microsoft-com:mac:vml" xmlns:p="http://schemas.openxmlformats.org/presentationml/2006/main" xmlns:c="http://schemas.openxmlformats.org/drawingml/2006/chart" xmlns:dgm="http://schemas.openxmlformats.org/drawingml/2006/diagram" xmlns:o="urn:schemas-microsoft-com:office:office" xmlns:v="urn:schemas-microsoft-com:vml" xmlns:pvml="urn:schemas-microsoft-com:office:powerpoint" xmlns:com="http://schemas.openxmlformats.org/drawingml/2006/compatibility" xmlns:p14="http://schemas.microsoft.com/office/powerpoint/2010/main" xmlns:p15="http://schemas.microsoft.com/office/powerpoint/2012/main" xmlns:ahyp="http://schemas.microsoft.com/office/drawing/2018/hyperlinkcolor" showMasterPhAnim="0" showMasterSp="0">
+  <p:cSld>
+    <p:spTree>
+      <p:nvGrpSpPr>
+        <p:cNvPr id="322" name="Shape 322"/>
+        <p:cNvGrpSpPr/>
+        <p:nvPr/>
+      </p:nvGrpSpPr>
+      <p:grpSpPr>
+        <a:xfrm>
+          <a:off x="0" y="0"/>
+          <a:ext cx="0" cy="0"/>
+          <a:chOff x="0" y="0"/>
+          <a:chExt cx="0" cy="0"/>
+        </a:xfrm>
+      </p:grpSpPr>
+      <p:sp>
+        <p:nvSpPr>
+          <p:cNvPr id="323" name="Google Shape;323;g28f7ef9cfe7_0_16:notes"/>
+          <p:cNvSpPr/>
+          <p:nvPr>
+            <p:ph idx="2" type="sldImg"/>
+          </p:nvPr>
+        </p:nvSpPr>
+        <p:spPr>
+          <a:xfrm>
+            <a:off x="381300" y="685800"/>
+            <a:ext cx="6096000" cy="3429000"/>
+          </a:xfrm>
+          <a:custGeom>
+            <a:rect b="b" l="l" r="r" t="t"/>
+            <a:pathLst>
+              <a:path extrusionOk="0" h="120000" w="120000">
+                <a:moveTo>
+                  <a:pt x="0" y="0"/>
+                </a:moveTo>
+                <a:lnTo>
+                  <a:pt x="120000" y="0"/>
+                </a:lnTo>
+                <a:lnTo>
+                  <a:pt x="120000" y="120000"/>
+                </a:lnTo>
+                <a:lnTo>
+                  <a:pt x="0" y="120000"/>
+                </a:lnTo>
+                <a:close/>
+              </a:path>
+            </a:pathLst>
+          </a:custGeom>
+        </p:spPr>
+      </p:sp>
+      <p:sp>
+        <p:nvSpPr>
+          <p:cNvPr id="324" name="Google Shape;324;g28f7ef9cfe7_0_16:notes"/>
           <p:cNvSpPr txBox="1"/>
           <p:nvPr>
             <p:ph idx="1" type="body"/>
@@ -16304,9 +16404,363 @@
           <a:chExt cx="0" cy="0"/>
         </a:xfrm>
       </p:grpSpPr>
+      <p:sp>
+        <p:nvSpPr>
+          <p:cNvPr id="289" name="Google Shape;289;p15"/>
+          <p:cNvSpPr txBox="1"/>
+          <p:nvPr/>
+        </p:nvSpPr>
+        <p:spPr>
+          <a:xfrm>
+            <a:off x="2964600" y="0"/>
+            <a:ext cx="3214800" cy="656400"/>
+          </a:xfrm>
+          <a:prstGeom prst="rect">
+            <a:avLst/>
+          </a:prstGeom>
+          <a:noFill/>
+          <a:ln>
+            <a:noFill/>
+          </a:ln>
+        </p:spPr>
+        <p:txBody>
+          <a:bodyPr anchorCtr="0" anchor="t" bIns="91425" lIns="91425" spcFirstLastPara="1" rIns="91425" wrap="square" tIns="91425">
+            <a:noAutofit/>
+          </a:bodyPr>
+          <a:lstStyle/>
+          <a:p>
+            <a:pPr indent="0" lvl="0" marL="0" rtl="0" algn="ctr">
+              <a:spcBef>
+                <a:spcPts val="0"/>
+              </a:spcBef>
+              <a:spcAft>
+                <a:spcPts val="0"/>
+              </a:spcAft>
+              <a:buNone/>
+            </a:pPr>
+            <a:r>
+              <a:rPr b="1" lang="pt-BR" sz="1800">
+                <a:solidFill>
+                  <a:srgbClr val="FFFFFF"/>
+                </a:solidFill>
+                <a:latin typeface="Nunito"/>
+                <a:ea typeface="Nunito"/>
+                <a:cs typeface="Nunito"/>
+                <a:sym typeface="Nunito"/>
+              </a:rPr>
+              <a:t>Requisitos</a:t>
+            </a:r>
+            <a:endParaRPr b="1" sz="1800">
+              <a:solidFill>
+                <a:srgbClr val="FFFFFF"/>
+              </a:solidFill>
+              <a:latin typeface="Nunito"/>
+              <a:ea typeface="Nunito"/>
+              <a:cs typeface="Nunito"/>
+              <a:sym typeface="Nunito"/>
+            </a:endParaRPr>
+          </a:p>
+        </p:txBody>
+      </p:sp>
+      <p:sp>
+        <p:nvSpPr>
+          <p:cNvPr id="290" name="Google Shape;290;p15"/>
+          <p:cNvSpPr txBox="1"/>
+          <p:nvPr/>
+        </p:nvSpPr>
+        <p:spPr>
+          <a:xfrm>
+            <a:off x="198750" y="1346100"/>
+            <a:ext cx="8746500" cy="2451300"/>
+          </a:xfrm>
+          <a:prstGeom prst="rect">
+            <a:avLst/>
+          </a:prstGeom>
+          <a:noFill/>
+          <a:ln>
+            <a:noFill/>
+          </a:ln>
+        </p:spPr>
+        <p:txBody>
+          <a:bodyPr anchorCtr="0" anchor="t" bIns="91425" lIns="91425" spcFirstLastPara="1" rIns="91425" wrap="square" tIns="91425">
+            <a:noAutofit/>
+          </a:bodyPr>
+          <a:lstStyle/>
+          <a:p>
+            <a:pPr indent="-311150" lvl="0" marL="457200" rtl="0" algn="l">
+              <a:spcBef>
+                <a:spcPts val="0"/>
+              </a:spcBef>
+              <a:spcAft>
+                <a:spcPts val="0"/>
+              </a:spcAft>
+              <a:buClr>
+                <a:srgbClr val="FFFFFF"/>
+              </a:buClr>
+              <a:buSzPts val="1300"/>
+              <a:buFont typeface="Nunito"/>
+              <a:buChar char="●"/>
+            </a:pPr>
+            <a:r>
+              <a:rPr b="1" lang="pt-BR" sz="1300">
+                <a:solidFill>
+                  <a:srgbClr val="FFFFFF"/>
+                </a:solidFill>
+                <a:latin typeface="Nunito"/>
+                <a:ea typeface="Nunito"/>
+                <a:cs typeface="Nunito"/>
+                <a:sym typeface="Nunito"/>
+              </a:rPr>
+              <a:t>Abrangência: </a:t>
+            </a:r>
+            <a:br>
+              <a:rPr lang="pt-BR" sz="1300">
+                <a:solidFill>
+                  <a:srgbClr val="FFFFFF"/>
+                </a:solidFill>
+                <a:latin typeface="Nunito"/>
+                <a:ea typeface="Nunito"/>
+                <a:cs typeface="Nunito"/>
+                <a:sym typeface="Nunito"/>
+              </a:rPr>
+            </a:br>
+            <a:r>
+              <a:rPr lang="pt-BR" sz="1300">
+                <a:solidFill>
+                  <a:srgbClr val="FFFFFF"/>
+                </a:solidFill>
+                <a:latin typeface="Nunito"/>
+                <a:ea typeface="Nunito"/>
+                <a:cs typeface="Nunito"/>
+                <a:sym typeface="Nunito"/>
+              </a:rPr>
+              <a:t>Nosso objetivo é criar um sistema que atenda à quantidade de informações que circulam no dia a dia da loja, tais como  as informações de cadastros dos clientes, vendas/compras realizadas, cadastros dos funcionários, etc.</a:t>
+            </a:r>
+            <a:br>
+              <a:rPr lang="pt-BR" sz="1300">
+                <a:solidFill>
+                  <a:srgbClr val="FFFFFF"/>
+                </a:solidFill>
+                <a:latin typeface="Nunito"/>
+                <a:ea typeface="Nunito"/>
+                <a:cs typeface="Nunito"/>
+                <a:sym typeface="Nunito"/>
+              </a:rPr>
+            </a:br>
+            <a:endParaRPr sz="1300">
+              <a:solidFill>
+                <a:srgbClr val="FFFFFF"/>
+              </a:solidFill>
+              <a:latin typeface="Nunito"/>
+              <a:ea typeface="Nunito"/>
+              <a:cs typeface="Nunito"/>
+              <a:sym typeface="Nunito"/>
+            </a:endParaRPr>
+          </a:p>
+          <a:p>
+            <a:pPr indent="-311150" lvl="0" marL="457200" rtl="0" algn="l">
+              <a:spcBef>
+                <a:spcPts val="0"/>
+              </a:spcBef>
+              <a:spcAft>
+                <a:spcPts val="0"/>
+              </a:spcAft>
+              <a:buClr>
+                <a:srgbClr val="FFFFFF"/>
+              </a:buClr>
+              <a:buSzPts val="1300"/>
+              <a:buFont typeface="Nunito"/>
+              <a:buChar char="●"/>
+            </a:pPr>
+            <a:r>
+              <a:rPr lang="pt-BR" sz="1300">
+                <a:solidFill>
+                  <a:srgbClr val="FFFFFF"/>
+                </a:solidFill>
+                <a:latin typeface="Nunito"/>
+                <a:ea typeface="Nunito"/>
+                <a:cs typeface="Nunito"/>
+                <a:sym typeface="Nunito"/>
+              </a:rPr>
+              <a:t>Tempo para produção do modelo:</a:t>
+            </a:r>
+            <a:br>
+              <a:rPr lang="pt-BR" sz="1300">
+                <a:solidFill>
+                  <a:srgbClr val="FFFFFF"/>
+                </a:solidFill>
+                <a:latin typeface="Nunito"/>
+                <a:ea typeface="Nunito"/>
+                <a:cs typeface="Nunito"/>
+                <a:sym typeface="Nunito"/>
+              </a:rPr>
+            </a:br>
+            <a:r>
+              <a:rPr lang="pt-BR" sz="1300">
+                <a:solidFill>
+                  <a:srgbClr val="FFFFFF"/>
+                </a:solidFill>
+                <a:latin typeface="Nunito"/>
+                <a:ea typeface="Nunito"/>
+                <a:cs typeface="Nunito"/>
+                <a:sym typeface="Nunito"/>
+              </a:rPr>
+              <a:t>Por ser um modelo simples, cerca de 1 (uma)  a 2 (duas) semanas serão suficientes</a:t>
+            </a:r>
+            <a:br>
+              <a:rPr lang="pt-BR" sz="1300">
+                <a:solidFill>
+                  <a:srgbClr val="FFFFFF"/>
+                </a:solidFill>
+                <a:latin typeface="Nunito"/>
+                <a:ea typeface="Nunito"/>
+                <a:cs typeface="Nunito"/>
+                <a:sym typeface="Nunito"/>
+              </a:rPr>
+            </a:br>
+            <a:endParaRPr sz="1300">
+              <a:solidFill>
+                <a:srgbClr val="FFFFFF"/>
+              </a:solidFill>
+              <a:latin typeface="Nunito"/>
+              <a:ea typeface="Nunito"/>
+              <a:cs typeface="Nunito"/>
+              <a:sym typeface="Nunito"/>
+            </a:endParaRPr>
+          </a:p>
+          <a:p>
+            <a:pPr indent="-311150" lvl="0" marL="457200" rtl="0" algn="l">
+              <a:spcBef>
+                <a:spcPts val="0"/>
+              </a:spcBef>
+              <a:spcAft>
+                <a:spcPts val="0"/>
+              </a:spcAft>
+              <a:buClr>
+                <a:srgbClr val="FFFFFF"/>
+              </a:buClr>
+              <a:buSzPts val="1300"/>
+              <a:buFont typeface="Nunito"/>
+              <a:buChar char="●"/>
+            </a:pPr>
+            <a:r>
+              <a:rPr lang="pt-BR" sz="1300">
+                <a:solidFill>
+                  <a:srgbClr val="FFFFFF"/>
+                </a:solidFill>
+                <a:latin typeface="Nunito"/>
+                <a:ea typeface="Nunito"/>
+                <a:cs typeface="Nunito"/>
+                <a:sym typeface="Nunito"/>
+              </a:rPr>
+              <a:t>Recursos disponíveis:</a:t>
+            </a:r>
+            <a:br>
+              <a:rPr lang="pt-BR" sz="1300">
+                <a:solidFill>
+                  <a:srgbClr val="FFFFFF"/>
+                </a:solidFill>
+                <a:latin typeface="Nunito"/>
+                <a:ea typeface="Nunito"/>
+                <a:cs typeface="Nunito"/>
+                <a:sym typeface="Nunito"/>
+              </a:rPr>
+            </a:br>
+            <a:r>
+              <a:rPr lang="pt-BR" sz="1300">
+                <a:solidFill>
+                  <a:srgbClr val="FFFFFF"/>
+                </a:solidFill>
+                <a:latin typeface="Nunito"/>
+                <a:ea typeface="Nunito"/>
+                <a:cs typeface="Nunito"/>
+                <a:sym typeface="Nunito"/>
+              </a:rPr>
+              <a:t>Nessa tarefa, 3 pessoas estarão trabalhando.</a:t>
+            </a:r>
+            <a:br>
+              <a:rPr lang="pt-BR" sz="1300">
+                <a:solidFill>
+                  <a:srgbClr val="FFFFFF"/>
+                </a:solidFill>
+                <a:latin typeface="Nunito"/>
+                <a:ea typeface="Nunito"/>
+                <a:cs typeface="Nunito"/>
+                <a:sym typeface="Nunito"/>
+              </a:rPr>
+            </a:br>
+            <a:endParaRPr sz="1300">
+              <a:solidFill>
+                <a:srgbClr val="FFFFFF"/>
+              </a:solidFill>
+              <a:latin typeface="Nunito"/>
+              <a:ea typeface="Nunito"/>
+              <a:cs typeface="Nunito"/>
+              <a:sym typeface="Nunito"/>
+            </a:endParaRPr>
+          </a:p>
+          <a:p>
+            <a:pPr indent="0" lvl="0" marL="0" rtl="0" algn="l">
+              <a:spcBef>
+                <a:spcPts val="0"/>
+              </a:spcBef>
+              <a:spcAft>
+                <a:spcPts val="0"/>
+              </a:spcAft>
+              <a:buNone/>
+            </a:pPr>
+            <a:r>
+              <a:rPr lang="pt-BR" sz="1300">
+                <a:solidFill>
+                  <a:srgbClr val="FFFFFF"/>
+                </a:solidFill>
+                <a:latin typeface="Nunito"/>
+                <a:ea typeface="Nunito"/>
+                <a:cs typeface="Nunito"/>
+                <a:sym typeface="Nunito"/>
+              </a:rPr>
+              <a:t>O software requisitado deverá ser capaz de armazenar dados constantemente, modificações e realizar buscas precisas.</a:t>
+            </a:r>
+            <a:endParaRPr sz="1300">
+              <a:solidFill>
+                <a:srgbClr val="FFFFFF"/>
+              </a:solidFill>
+              <a:latin typeface="Nunito"/>
+              <a:ea typeface="Nunito"/>
+              <a:cs typeface="Nunito"/>
+              <a:sym typeface="Nunito"/>
+            </a:endParaRPr>
+          </a:p>
+        </p:txBody>
+      </p:sp>
+    </p:spTree>
+  </p:cSld>
+  <p:clrMapOvr>
+    <a:masterClrMapping/>
+  </p:clrMapOvr>
+</p:sld>
+</file>
+
+<file path=ppt/slides/slide4.xml><?xml version="1.0" encoding="utf-8"?>
+<p:sld xmlns:a="http://schemas.openxmlformats.org/drawingml/2006/main" xmlns:r="http://schemas.openxmlformats.org/officeDocument/2006/relationships" xmlns:mc="http://schemas.openxmlformats.org/markup-compatibility/2006" xmlns:mv="urn:schemas-microsoft-com:mac:vml" xmlns:p="http://schemas.openxmlformats.org/presentationml/2006/main" xmlns:c="http://schemas.openxmlformats.org/drawingml/2006/chart" xmlns:dgm="http://schemas.openxmlformats.org/drawingml/2006/diagram" xmlns:o="urn:schemas-microsoft-com:office:office" xmlns:v="urn:schemas-microsoft-com:vml" xmlns:pvml="urn:schemas-microsoft-com:office:powerpoint" xmlns:com="http://schemas.openxmlformats.org/drawingml/2006/compatibility" xmlns:p14="http://schemas.microsoft.com/office/powerpoint/2010/main" xmlns:p15="http://schemas.microsoft.com/office/powerpoint/2012/main" xmlns:ahyp="http://schemas.microsoft.com/office/drawing/2018/hyperlinkcolor">
+  <p:cSld>
+    <p:spTree>
+      <p:nvGrpSpPr>
+        <p:cNvPr id="294" name="Shape 294"/>
+        <p:cNvGrpSpPr/>
+        <p:nvPr/>
+      </p:nvGrpSpPr>
+      <p:grpSpPr>
+        <a:xfrm>
+          <a:off x="0" y="0"/>
+          <a:ext cx="0" cy="0"/>
+          <a:chOff x="0" y="0"/>
+          <a:chExt cx="0" cy="0"/>
+        </a:xfrm>
+      </p:grpSpPr>
       <p:pic>
         <p:nvPicPr>
-          <p:cNvPr id="289" name="Google Shape;289;p15"/>
+          <p:cNvPr id="295" name="Google Shape;295;p16"/>
           <p:cNvPicPr preferRelativeResize="0"/>
           <p:nvPr/>
         </p:nvPicPr>
@@ -16334,7 +16788,7 @@
       </p:pic>
       <p:sp>
         <p:nvSpPr>
-          <p:cNvPr id="290" name="Google Shape;290;p15"/>
+          <p:cNvPr id="296" name="Google Shape;296;p16"/>
           <p:cNvSpPr txBox="1"/>
           <p:nvPr/>
         </p:nvSpPr>
@@ -16392,7 +16846,7 @@
       </p:sp>
       <p:pic>
         <p:nvPicPr>
-          <p:cNvPr id="291" name="Google Shape;291;p15"/>
+          <p:cNvPr id="297" name="Google Shape;297;p16"/>
           <p:cNvPicPr preferRelativeResize="0"/>
           <p:nvPr/>
         </p:nvPicPr>
@@ -16426,12 +16880,12 @@
 </p:sld>
 </file>
 
-<file path=ppt/slides/slide4.xml><?xml version="1.0" encoding="utf-8"?>
+<file path=ppt/slides/slide5.xml><?xml version="1.0" encoding="utf-8"?>
 <p:sld xmlns:a="http://schemas.openxmlformats.org/drawingml/2006/main" xmlns:r="http://schemas.openxmlformats.org/officeDocument/2006/relationships" xmlns:mc="http://schemas.openxmlformats.org/markup-compatibility/2006" xmlns:mv="urn:schemas-microsoft-com:mac:vml" xmlns:p="http://schemas.openxmlformats.org/presentationml/2006/main" xmlns:c="http://schemas.openxmlformats.org/drawingml/2006/chart" xmlns:dgm="http://schemas.openxmlformats.org/drawingml/2006/diagram" xmlns:o="urn:schemas-microsoft-com:office:office" xmlns:v="urn:schemas-microsoft-com:vml" xmlns:pvml="urn:schemas-microsoft-com:office:powerpoint" xmlns:com="http://schemas.openxmlformats.org/drawingml/2006/compatibility" xmlns:p14="http://schemas.microsoft.com/office/powerpoint/2010/main" xmlns:p15="http://schemas.microsoft.com/office/powerpoint/2012/main" xmlns:ahyp="http://schemas.microsoft.com/office/drawing/2018/hyperlinkcolor">
   <p:cSld>
     <p:spTree>
       <p:nvGrpSpPr>
-        <p:cNvPr id="295" name="Shape 295"/>
+        <p:cNvPr id="301" name="Shape 301"/>
         <p:cNvGrpSpPr/>
         <p:nvPr/>
       </p:nvGrpSpPr>
@@ -16445,7 +16899,7 @@
       </p:grpSpPr>
       <p:pic>
         <p:nvPicPr>
-          <p:cNvPr id="296" name="Google Shape;296;p16"/>
+          <p:cNvPr id="302" name="Google Shape;302;p17"/>
           <p:cNvPicPr preferRelativeResize="0"/>
           <p:nvPr/>
         </p:nvPicPr>
@@ -16473,7 +16927,7 @@
       </p:pic>
       <p:pic>
         <p:nvPicPr>
-          <p:cNvPr id="297" name="Google Shape;297;p16"/>
+          <p:cNvPr id="303" name="Google Shape;303;p17"/>
           <p:cNvPicPr preferRelativeResize="0"/>
           <p:nvPr/>
         </p:nvPicPr>
@@ -16501,7 +16955,7 @@
       </p:pic>
       <p:sp>
         <p:nvSpPr>
-          <p:cNvPr id="298" name="Google Shape;298;p16"/>
+          <p:cNvPr id="304" name="Google Shape;304;p17"/>
           <p:cNvSpPr txBox="1"/>
           <p:nvPr/>
         </p:nvSpPr>
@@ -16557,87 +17011,6 @@
           </a:p>
         </p:txBody>
       </p:sp>
-    </p:spTree>
-  </p:cSld>
-  <p:clrMapOvr>
-    <a:masterClrMapping/>
-  </p:clrMapOvr>
-</p:sld>
-</file>
-
-<file path=ppt/slides/slide5.xml><?xml version="1.0" encoding="utf-8"?>
-<p:sld xmlns:a="http://schemas.openxmlformats.org/drawingml/2006/main" xmlns:r="http://schemas.openxmlformats.org/officeDocument/2006/relationships" xmlns:mc="http://schemas.openxmlformats.org/markup-compatibility/2006" xmlns:mv="urn:schemas-microsoft-com:mac:vml" xmlns:p="http://schemas.openxmlformats.org/presentationml/2006/main" xmlns:c="http://schemas.openxmlformats.org/drawingml/2006/chart" xmlns:dgm="http://schemas.openxmlformats.org/drawingml/2006/diagram" xmlns:o="urn:schemas-microsoft-com:office:office" xmlns:v="urn:schemas-microsoft-com:vml" xmlns:pvml="urn:schemas-microsoft-com:office:powerpoint" xmlns:com="http://schemas.openxmlformats.org/drawingml/2006/compatibility" xmlns:p14="http://schemas.microsoft.com/office/powerpoint/2010/main" xmlns:p15="http://schemas.microsoft.com/office/powerpoint/2012/main" xmlns:ahyp="http://schemas.microsoft.com/office/drawing/2018/hyperlinkcolor">
-  <p:cSld>
-    <p:spTree>
-      <p:nvGrpSpPr>
-        <p:cNvPr id="302" name="Shape 302"/>
-        <p:cNvGrpSpPr/>
-        <p:nvPr/>
-      </p:nvGrpSpPr>
-      <p:grpSpPr>
-        <a:xfrm>
-          <a:off x="0" y="0"/>
-          <a:ext cx="0" cy="0"/>
-          <a:chOff x="0" y="0"/>
-          <a:chExt cx="0" cy="0"/>
-        </a:xfrm>
-      </p:grpSpPr>
-      <p:pic>
-        <p:nvPicPr>
-          <p:cNvPr id="303" name="Google Shape;303;p17"/>
-          <p:cNvPicPr preferRelativeResize="0"/>
-          <p:nvPr/>
-        </p:nvPicPr>
-        <p:blipFill>
-          <a:blip r:embed="rId3">
-            <a:alphaModFix/>
-          </a:blip>
-          <a:stretch>
-            <a:fillRect/>
-          </a:stretch>
-        </p:blipFill>
-        <p:spPr>
-          <a:xfrm>
-            <a:off x="1647825" y="286350"/>
-            <a:ext cx="5848350" cy="1819275"/>
-          </a:xfrm>
-          <a:prstGeom prst="rect">
-            <a:avLst/>
-          </a:prstGeom>
-          <a:noFill/>
-          <a:ln>
-            <a:noFill/>
-          </a:ln>
-        </p:spPr>
-      </p:pic>
-      <p:pic>
-        <p:nvPicPr>
-          <p:cNvPr id="304" name="Google Shape;304;p17"/>
-          <p:cNvPicPr preferRelativeResize="0"/>
-          <p:nvPr/>
-        </p:nvPicPr>
-        <p:blipFill>
-          <a:blip r:embed="rId4">
-            <a:alphaModFix/>
-          </a:blip>
-          <a:stretch>
-            <a:fillRect/>
-          </a:stretch>
-        </p:blipFill>
-        <p:spPr>
-          <a:xfrm>
-            <a:off x="1671625" y="2713425"/>
-            <a:ext cx="5800725" cy="1581150"/>
-          </a:xfrm>
-          <a:prstGeom prst="rect">
-            <a:avLst/>
-          </a:prstGeom>
-          <a:noFill/>
-          <a:ln>
-            <a:noFill/>
-          </a:ln>
-        </p:spPr>
-      </p:pic>
     </p:spTree>
   </p:cSld>
   <p:clrMapOvr>
@@ -16679,8 +17052,36 @@
         </p:blipFill>
         <p:spPr>
           <a:xfrm>
-            <a:off x="615650" y="152400"/>
-            <a:ext cx="7912696" cy="4838699"/>
+            <a:off x="1647825" y="286350"/>
+            <a:ext cx="5848350" cy="1819275"/>
+          </a:xfrm>
+          <a:prstGeom prst="rect">
+            <a:avLst/>
+          </a:prstGeom>
+          <a:noFill/>
+          <a:ln>
+            <a:noFill/>
+          </a:ln>
+        </p:spPr>
+      </p:pic>
+      <p:pic>
+        <p:nvPicPr>
+          <p:cNvPr id="310" name="Google Shape;310;p18"/>
+          <p:cNvPicPr preferRelativeResize="0"/>
+          <p:nvPr/>
+        </p:nvPicPr>
+        <p:blipFill>
+          <a:blip r:embed="rId4">
+            <a:alphaModFix/>
+          </a:blip>
+          <a:stretch>
+            <a:fillRect/>
+          </a:stretch>
+        </p:blipFill>
+        <p:spPr>
+          <a:xfrm>
+            <a:off x="1671625" y="2713425"/>
+            <a:ext cx="5800725" cy="1581150"/>
           </a:xfrm>
           <a:prstGeom prst="rect">
             <a:avLst/>
@@ -16704,7 +17105,7 @@
   <p:cSld>
     <p:spTree>
       <p:nvGrpSpPr>
-        <p:cNvPr id="313" name="Shape 313"/>
+        <p:cNvPr id="314" name="Shape 314"/>
         <p:cNvGrpSpPr/>
         <p:nvPr/>
       </p:nvGrpSpPr>
@@ -16718,7 +17119,60 @@
       </p:grpSpPr>
       <p:pic>
         <p:nvPicPr>
-          <p:cNvPr id="314" name="Google Shape;314;p19"/>
+          <p:cNvPr id="315" name="Google Shape;315;p19"/>
+          <p:cNvPicPr preferRelativeResize="0"/>
+          <p:nvPr/>
+        </p:nvPicPr>
+        <p:blipFill>
+          <a:blip r:embed="rId3">
+            <a:alphaModFix/>
+          </a:blip>
+          <a:stretch>
+            <a:fillRect/>
+          </a:stretch>
+        </p:blipFill>
+        <p:spPr>
+          <a:xfrm>
+            <a:off x="615650" y="152400"/>
+            <a:ext cx="7912696" cy="4838699"/>
+          </a:xfrm>
+          <a:prstGeom prst="rect">
+            <a:avLst/>
+          </a:prstGeom>
+          <a:noFill/>
+          <a:ln>
+            <a:noFill/>
+          </a:ln>
+        </p:spPr>
+      </p:pic>
+    </p:spTree>
+  </p:cSld>
+  <p:clrMapOvr>
+    <a:masterClrMapping/>
+  </p:clrMapOvr>
+</p:sld>
+</file>
+
+<file path=ppt/slides/slide8.xml><?xml version="1.0" encoding="utf-8"?>
+<p:sld xmlns:a="http://schemas.openxmlformats.org/drawingml/2006/main" xmlns:r="http://schemas.openxmlformats.org/officeDocument/2006/relationships" xmlns:mc="http://schemas.openxmlformats.org/markup-compatibility/2006" xmlns:mv="urn:schemas-microsoft-com:mac:vml" xmlns:p="http://schemas.openxmlformats.org/presentationml/2006/main" xmlns:c="http://schemas.openxmlformats.org/drawingml/2006/chart" xmlns:dgm="http://schemas.openxmlformats.org/drawingml/2006/diagram" xmlns:o="urn:schemas-microsoft-com:office:office" xmlns:v="urn:schemas-microsoft-com:vml" xmlns:pvml="urn:schemas-microsoft-com:office:powerpoint" xmlns:com="http://schemas.openxmlformats.org/drawingml/2006/compatibility" xmlns:p14="http://schemas.microsoft.com/office/powerpoint/2010/main" xmlns:p15="http://schemas.microsoft.com/office/powerpoint/2012/main" xmlns:ahyp="http://schemas.microsoft.com/office/drawing/2018/hyperlinkcolor">
+  <p:cSld>
+    <p:spTree>
+      <p:nvGrpSpPr>
+        <p:cNvPr id="319" name="Shape 319"/>
+        <p:cNvGrpSpPr/>
+        <p:nvPr/>
+      </p:nvGrpSpPr>
+      <p:grpSpPr>
+        <a:xfrm>
+          <a:off x="0" y="0"/>
+          <a:ext cx="0" cy="0"/>
+          <a:chOff x="0" y="0"/>
+          <a:chExt cx="0" cy="0"/>
+        </a:xfrm>
+      </p:grpSpPr>
+      <p:pic>
+        <p:nvPicPr>
+          <p:cNvPr id="320" name="Google Shape;320;p20"/>
           <p:cNvPicPr preferRelativeResize="0"/>
           <p:nvPr/>
         </p:nvPicPr>
@@ -16746,7 +17200,7 @@
       </p:pic>
       <p:sp>
         <p:nvSpPr>
-          <p:cNvPr id="315" name="Google Shape;315;p19"/>
+          <p:cNvPr id="321" name="Google Shape;321;p20"/>
           <p:cNvSpPr txBox="1"/>
           <p:nvPr/>
         </p:nvSpPr>
@@ -16810,12 +17264,12 @@
 </p:sld>
 </file>
 
-<file path=ppt/slides/slide8.xml><?xml version="1.0" encoding="utf-8"?>
+<file path=ppt/slides/slide9.xml><?xml version="1.0" encoding="utf-8"?>
 <p:sld xmlns:a="http://schemas.openxmlformats.org/drawingml/2006/main" xmlns:r="http://schemas.openxmlformats.org/officeDocument/2006/relationships" xmlns:mc="http://schemas.openxmlformats.org/markup-compatibility/2006" xmlns:mv="urn:schemas-microsoft-com:mac:vml" xmlns:p="http://schemas.openxmlformats.org/presentationml/2006/main" xmlns:c="http://schemas.openxmlformats.org/drawingml/2006/chart" xmlns:dgm="http://schemas.openxmlformats.org/drawingml/2006/diagram" xmlns:o="urn:schemas-microsoft-com:office:office" xmlns:v="urn:schemas-microsoft-com:vml" xmlns:pvml="urn:schemas-microsoft-com:office:powerpoint" xmlns:com="http://schemas.openxmlformats.org/drawingml/2006/compatibility" xmlns:p14="http://schemas.microsoft.com/office/powerpoint/2010/main" xmlns:p15="http://schemas.microsoft.com/office/powerpoint/2012/main" xmlns:ahyp="http://schemas.microsoft.com/office/drawing/2018/hyperlinkcolor">
   <p:cSld>
     <p:spTree>
       <p:nvGrpSpPr>
-        <p:cNvPr id="319" name="Shape 319"/>
+        <p:cNvPr id="325" name="Shape 325"/>
         <p:cNvGrpSpPr/>
         <p:nvPr/>
       </p:nvGrpSpPr>
@@ -16829,7 +17283,7 @@
       </p:grpSpPr>
       <p:pic>
         <p:nvPicPr>
-          <p:cNvPr id="320" name="Google Shape;320;p20"/>
+          <p:cNvPr id="326" name="Google Shape;326;p21"/>
           <p:cNvPicPr preferRelativeResize="0"/>
           <p:nvPr/>
         </p:nvPicPr>

--- a/Slide Revisado 06-06-2024.pptx
+++ b/Slide Revisado 06-06-2024.pptx
@@ -16997,7 +16997,7 @@
                 <a:cs typeface="Nunito"/>
                 <a:sym typeface="Nunito"/>
               </a:rPr>
-              <a:t>100</a:t>
+              <a:t>3</a:t>
             </a:r>
             <a:endParaRPr sz="1300">
               <a:solidFill>
@@ -17318,6 +17318,285 @@
 </file>
 
 <file path=ppt/theme/theme1.xml><?xml version="1.0" encoding="utf-8"?>
+<a:theme xmlns:a="http://schemas.openxmlformats.org/drawingml/2006/main" xmlns:r="http://schemas.openxmlformats.org/officeDocument/2006/relationships" name="Momentum">
+  <a:themeElements>
+    <a:clrScheme name="Momentum">
+      <a:dk1>
+        <a:srgbClr val="C0791B"/>
+      </a:dk1>
+      <a:lt1>
+        <a:srgbClr val="FFFFFF"/>
+      </a:lt1>
+      <a:dk2>
+        <a:srgbClr val="424242"/>
+      </a:dk2>
+      <a:lt2>
+        <a:srgbClr val="8DD8D3"/>
+      </a:lt2>
+      <a:accent1>
+        <a:srgbClr val="0B6374"/>
+      </a:accent1>
+      <a:accent2>
+        <a:srgbClr val="FD5B58"/>
+      </a:accent2>
+      <a:accent3>
+        <a:srgbClr val="599191"/>
+      </a:accent3>
+      <a:accent4>
+        <a:srgbClr val="D7E6A3"/>
+      </a:accent4>
+      <a:accent5>
+        <a:srgbClr val="27278B"/>
+      </a:accent5>
+      <a:accent6>
+        <a:srgbClr val="D558AB"/>
+      </a:accent6>
+      <a:hlink>
+        <a:srgbClr val="27278B"/>
+      </a:hlink>
+      <a:folHlink>
+        <a:srgbClr val="27278B"/>
+      </a:folHlink>
+    </a:clrScheme>
+    <a:fontScheme name="Office">
+      <a:majorFont>
+        <a:latin typeface="Arial"/>
+        <a:ea typeface=""/>
+        <a:cs typeface=""/>
+        <a:font script="Jpan" typeface="ＭＳ Ｐゴシック"/>
+        <a:font script="Hang" typeface="맑은 고딕"/>
+        <a:font script="Hans" typeface="宋体"/>
+        <a:font script="Hant" typeface="新細明體"/>
+        <a:font script="Arab" typeface="Times New Roman"/>
+        <a:font script="Hebr" typeface="Times New Roman"/>
+        <a:font script="Thai" typeface="Angsana New"/>
+        <a:font script="Ethi" typeface="Nyala"/>
+        <a:font script="Beng" typeface="Vrinda"/>
+        <a:font script="Gujr" typeface="Shruti"/>
+        <a:font script="Khmr" typeface="MoolBoran"/>
+        <a:font script="Knda" typeface="Tunga"/>
+        <a:font script="Guru" typeface="Raavi"/>
+        <a:font script="Cans" typeface="Euphemia"/>
+        <a:font script="Cher" typeface="Plantagenet Cherokee"/>
+        <a:font script="Yiii" typeface="Microsoft Yi Baiti"/>
+        <a:font script="Tibt" typeface="Microsoft Himalaya"/>
+        <a:font script="Thaa" typeface="MV Boli"/>
+        <a:font script="Deva" typeface="Mangal"/>
+        <a:font script="Telu" typeface="Gautami"/>
+        <a:font script="Taml" typeface="Latha"/>
+        <a:font script="Syrc" typeface="Estrangelo Edessa"/>
+        <a:font script="Orya" typeface="Kalinga"/>
+        <a:font script="Mlym" typeface="Kartika"/>
+        <a:font script="Laoo" typeface="DokChampa"/>
+        <a:font script="Sinh" typeface="Iskoola Pota"/>
+        <a:font script="Mong" typeface="Mongolian Baiti"/>
+        <a:font script="Viet" typeface="Times New Roman"/>
+        <a:font script="Uigh" typeface="Microsoft Uighur"/>
+        <a:font script="Geor" typeface="Sylfaen"/>
+      </a:majorFont>
+      <a:minorFont>
+        <a:latin typeface="Arial"/>
+        <a:ea typeface=""/>
+        <a:cs typeface=""/>
+        <a:font script="Jpan" typeface="ＭＳ Ｐゴシック"/>
+        <a:font script="Hang" typeface="맑은 고딕"/>
+        <a:font script="Hans" typeface="宋体"/>
+        <a:font script="Hant" typeface="新細明體"/>
+        <a:font script="Arab" typeface="Arial"/>
+        <a:font script="Hebr" typeface="Arial"/>
+        <a:font script="Thai" typeface="Cordia New"/>
+        <a:font script="Ethi" typeface="Nyala"/>
+        <a:font script="Beng" typeface="Vrinda"/>
+        <a:font script="Gujr" typeface="Shruti"/>
+        <a:font script="Khmr" typeface="DaunPenh"/>
+        <a:font script="Knda" typeface="Tunga"/>
+        <a:font script="Guru" typeface="Raavi"/>
+        <a:font script="Cans" typeface="Euphemia"/>
+        <a:font script="Cher" typeface="Plantagenet Cherokee"/>
+        <a:font script="Yiii" typeface="Microsoft Yi Baiti"/>
+        <a:font script="Tibt" typeface="Microsoft Himalaya"/>
+        <a:font script="Thaa" typeface="MV Boli"/>
+        <a:font script="Deva" typeface="Mangal"/>
+        <a:font script="Telu" typeface="Gautami"/>
+        <a:font script="Taml" typeface="Latha"/>
+        <a:font script="Syrc" typeface="Estrangelo Edessa"/>
+        <a:font script="Orya" typeface="Kalinga"/>
+        <a:font script="Mlym" typeface="Kartika"/>
+        <a:font script="Laoo" typeface="DokChampa"/>
+        <a:font script="Sinh" typeface="Iskoola Pota"/>
+        <a:font script="Mong" typeface="Mongolian Baiti"/>
+        <a:font script="Viet" typeface="Arial"/>
+        <a:font script="Uigh" typeface="Microsoft Uighur"/>
+        <a:font script="Geor" typeface="Sylfaen"/>
+      </a:minorFont>
+    </a:fontScheme>
+    <a:fmtScheme name="Office">
+      <a:fillStyleLst>
+        <a:solidFill>
+          <a:schemeClr val="phClr"/>
+        </a:solidFill>
+        <a:gradFill rotWithShape="1">
+          <a:gsLst>
+            <a:gs pos="0">
+              <a:schemeClr val="phClr">
+                <a:tint val="50000"/>
+                <a:satMod val="300000"/>
+              </a:schemeClr>
+            </a:gs>
+            <a:gs pos="35000">
+              <a:schemeClr val="phClr">
+                <a:tint val="37000"/>
+                <a:satMod val="300000"/>
+              </a:schemeClr>
+            </a:gs>
+            <a:gs pos="100000">
+              <a:schemeClr val="phClr">
+                <a:tint val="15000"/>
+                <a:satMod val="350000"/>
+              </a:schemeClr>
+            </a:gs>
+          </a:gsLst>
+          <a:lin ang="16200000" scaled="1"/>
+        </a:gradFill>
+        <a:gradFill rotWithShape="1">
+          <a:gsLst>
+            <a:gs pos="0">
+              <a:schemeClr val="phClr">
+                <a:tint val="100000"/>
+                <a:shade val="100000"/>
+                <a:satMod val="130000"/>
+              </a:schemeClr>
+            </a:gs>
+            <a:gs pos="100000">
+              <a:schemeClr val="phClr">
+                <a:tint val="50000"/>
+                <a:shade val="100000"/>
+                <a:satMod val="350000"/>
+              </a:schemeClr>
+            </a:gs>
+          </a:gsLst>
+          <a:lin ang="16200000" scaled="0"/>
+        </a:gradFill>
+      </a:fillStyleLst>
+      <a:lnStyleLst>
+        <a:ln w="9525" cap="flat" cmpd="sng" algn="ctr">
+          <a:solidFill>
+            <a:schemeClr val="phClr">
+              <a:shade val="95000"/>
+              <a:satMod val="105000"/>
+            </a:schemeClr>
+          </a:solidFill>
+          <a:prstDash val="solid"/>
+        </a:ln>
+        <a:ln w="25400" cap="flat" cmpd="sng" algn="ctr">
+          <a:solidFill>
+            <a:schemeClr val="phClr"/>
+          </a:solidFill>
+          <a:prstDash val="solid"/>
+        </a:ln>
+        <a:ln w="38100" cap="flat" cmpd="sng" algn="ctr">
+          <a:solidFill>
+            <a:schemeClr val="phClr"/>
+          </a:solidFill>
+          <a:prstDash val="solid"/>
+        </a:ln>
+      </a:lnStyleLst>
+      <a:effectStyleLst>
+        <a:effectStyle>
+          <a:effectLst>
+            <a:outerShdw blurRad="40000" dist="20000" dir="5400000" rotWithShape="0">
+              <a:srgbClr val="000000">
+                <a:alpha val="38000"/>
+              </a:srgbClr>
+            </a:outerShdw>
+          </a:effectLst>
+        </a:effectStyle>
+        <a:effectStyle>
+          <a:effectLst>
+            <a:outerShdw blurRad="40000" dist="23000" dir="5400000" rotWithShape="0">
+              <a:srgbClr val="000000">
+                <a:alpha val="35000"/>
+              </a:srgbClr>
+            </a:outerShdw>
+          </a:effectLst>
+        </a:effectStyle>
+        <a:effectStyle>
+          <a:effectLst>
+            <a:outerShdw blurRad="40000" dist="23000" dir="5400000" rotWithShape="0">
+              <a:srgbClr val="000000">
+                <a:alpha val="35000"/>
+              </a:srgbClr>
+            </a:outerShdw>
+          </a:effectLst>
+          <a:scene3d>
+            <a:camera prst="orthographicFront">
+              <a:rot lat="0" lon="0" rev="0"/>
+            </a:camera>
+            <a:lightRig rig="threePt" dir="t">
+              <a:rot lat="0" lon="0" rev="1200000"/>
+            </a:lightRig>
+          </a:scene3d>
+          <a:sp3d>
+            <a:bevelT w="63500" h="25400"/>
+          </a:sp3d>
+        </a:effectStyle>
+      </a:effectStyleLst>
+      <a:bgFillStyleLst>
+        <a:solidFill>
+          <a:schemeClr val="phClr"/>
+        </a:solidFill>
+        <a:gradFill rotWithShape="1">
+          <a:gsLst>
+            <a:gs pos="0">
+              <a:schemeClr val="phClr">
+                <a:tint val="40000"/>
+                <a:satMod val="350000"/>
+              </a:schemeClr>
+            </a:gs>
+            <a:gs pos="40000">
+              <a:schemeClr val="phClr">
+                <a:tint val="45000"/>
+                <a:shade val="99000"/>
+                <a:satMod val="350000"/>
+              </a:schemeClr>
+            </a:gs>
+            <a:gs pos="100000">
+              <a:schemeClr val="phClr">
+                <a:shade val="20000"/>
+                <a:satMod val="255000"/>
+              </a:schemeClr>
+            </a:gs>
+          </a:gsLst>
+          <a:path path="circle">
+            <a:fillToRect l="50000" t="-80000" r="50000" b="180000"/>
+          </a:path>
+        </a:gradFill>
+        <a:gradFill rotWithShape="1">
+          <a:gsLst>
+            <a:gs pos="0">
+              <a:schemeClr val="phClr">
+                <a:tint val="80000"/>
+                <a:satMod val="300000"/>
+              </a:schemeClr>
+            </a:gs>
+            <a:gs pos="100000">
+              <a:schemeClr val="phClr">
+                <a:shade val="30000"/>
+                <a:satMod val="200000"/>
+              </a:schemeClr>
+            </a:gs>
+          </a:gsLst>
+          <a:path path="circle">
+            <a:fillToRect l="50000" t="50000" r="50000" b="50000"/>
+          </a:path>
+        </a:gradFill>
+      </a:bgFillStyleLst>
+    </a:fmtScheme>
+  </a:themeElements>
+</a:theme>
+</file>
+
+<file path=ppt/theme/theme2.xml><?xml version="1.0" encoding="utf-8"?>
 <a:theme xmlns:a="http://schemas.openxmlformats.org/drawingml/2006/main" xmlns:r="http://schemas.openxmlformats.org/officeDocument/2006/relationships">
   <a:themeElements>
     <a:clrScheme name="Default">
@@ -17594,283 +17873,4 @@
     </a:fmtScheme>
   </a:themeElements>
 </a:theme>
-</file>
-
-<file path=ppt/theme/theme2.xml><?xml version="1.0" encoding="utf-8"?>
-<a:theme xmlns:a="http://schemas.openxmlformats.org/drawingml/2006/main" xmlns:r="http://schemas.openxmlformats.org/officeDocument/2006/relationships" name="Momentum">
-  <a:themeElements>
-    <a:clrScheme name="Momentum">
-      <a:dk1>
-        <a:srgbClr val="C0791B"/>
-      </a:dk1>
-      <a:lt1>
-        <a:srgbClr val="FFFFFF"/>
-      </a:lt1>
-      <a:dk2>
-        <a:srgbClr val="424242"/>
-      </a:dk2>
-      <a:lt2>
-        <a:srgbClr val="8DD8D3"/>
-      </a:lt2>
-      <a:accent1>
-        <a:srgbClr val="0B6374"/>
-      </a:accent1>
-      <a:accent2>
-        <a:srgbClr val="FD5B58"/>
-      </a:accent2>
-      <a:accent3>
-        <a:srgbClr val="599191"/>
-      </a:accent3>
-      <a:accent4>
-        <a:srgbClr val="D7E6A3"/>
-      </a:accent4>
-      <a:accent5>
-        <a:srgbClr val="27278B"/>
-      </a:accent5>
-      <a:accent6>
-        <a:srgbClr val="D558AB"/>
-      </a:accent6>
-      <a:hlink>
-        <a:srgbClr val="27278B"/>
-      </a:hlink>
-      <a:folHlink>
-        <a:srgbClr val="27278B"/>
-      </a:folHlink>
-    </a:clrScheme>
-    <a:fontScheme name="Office">
-      <a:majorFont>
-        <a:latin typeface="Arial"/>
-        <a:ea typeface=""/>
-        <a:cs typeface=""/>
-        <a:font script="Jpan" typeface="ＭＳ Ｐゴシック"/>
-        <a:font script="Hang" typeface="맑은 고딕"/>
-        <a:font script="Hans" typeface="宋体"/>
-        <a:font script="Hant" typeface="新細明體"/>
-        <a:font script="Arab" typeface="Times New Roman"/>
-        <a:font script="Hebr" typeface="Times New Roman"/>
-        <a:font script="Thai" typeface="Angsana New"/>
-        <a:font script="Ethi" typeface="Nyala"/>
-        <a:font script="Beng" typeface="Vrinda"/>
-        <a:font script="Gujr" typeface="Shruti"/>
-        <a:font script="Khmr" typeface="MoolBoran"/>
-        <a:font script="Knda" typeface="Tunga"/>
-        <a:font script="Guru" typeface="Raavi"/>
-        <a:font script="Cans" typeface="Euphemia"/>
-        <a:font script="Cher" typeface="Plantagenet Cherokee"/>
-        <a:font script="Yiii" typeface="Microsoft Yi Baiti"/>
-        <a:font script="Tibt" typeface="Microsoft Himalaya"/>
-        <a:font script="Thaa" typeface="MV Boli"/>
-        <a:font script="Deva" typeface="Mangal"/>
-        <a:font script="Telu" typeface="Gautami"/>
-        <a:font script="Taml" typeface="Latha"/>
-        <a:font script="Syrc" typeface="Estrangelo Edessa"/>
-        <a:font script="Orya" typeface="Kalinga"/>
-        <a:font script="Mlym" typeface="Kartika"/>
-        <a:font script="Laoo" typeface="DokChampa"/>
-        <a:font script="Sinh" typeface="Iskoola Pota"/>
-        <a:font script="Mong" typeface="Mongolian Baiti"/>
-        <a:font script="Viet" typeface="Times New Roman"/>
-        <a:font script="Uigh" typeface="Microsoft Uighur"/>
-        <a:font script="Geor" typeface="Sylfaen"/>
-      </a:majorFont>
-      <a:minorFont>
-        <a:latin typeface="Arial"/>
-        <a:ea typeface=""/>
-        <a:cs typeface=""/>
-        <a:font script="Jpan" typeface="ＭＳ Ｐゴシック"/>
-        <a:font script="Hang" typeface="맑은 고딕"/>
-        <a:font script="Hans" typeface="宋体"/>
-        <a:font script="Hant" typeface="新細明體"/>
-        <a:font script="Arab" typeface="Arial"/>
-        <a:font script="Hebr" typeface="Arial"/>
-        <a:font script="Thai" typeface="Cordia New"/>
-        <a:font script="Ethi" typeface="Nyala"/>
-        <a:font script="Beng" typeface="Vrinda"/>
-        <a:font script="Gujr" typeface="Shruti"/>
-        <a:font script="Khmr" typeface="DaunPenh"/>
-        <a:font script="Knda" typeface="Tunga"/>
-        <a:font script="Guru" typeface="Raavi"/>
-        <a:font script="Cans" typeface="Euphemia"/>
-        <a:font script="Cher" typeface="Plantagenet Cherokee"/>
-        <a:font script="Yiii" typeface="Microsoft Yi Baiti"/>
-        <a:font script="Tibt" typeface="Microsoft Himalaya"/>
-        <a:font script="Thaa" typeface="MV Boli"/>
-        <a:font script="Deva" typeface="Mangal"/>
-        <a:font script="Telu" typeface="Gautami"/>
-        <a:font script="Taml" typeface="Latha"/>
-        <a:font script="Syrc" typeface="Estrangelo Edessa"/>
-        <a:font script="Orya" typeface="Kalinga"/>
-        <a:font script="Mlym" typeface="Kartika"/>
-        <a:font script="Laoo" typeface="DokChampa"/>
-        <a:font script="Sinh" typeface="Iskoola Pota"/>
-        <a:font script="Mong" typeface="Mongolian Baiti"/>
-        <a:font script="Viet" typeface="Arial"/>
-        <a:font script="Uigh" typeface="Microsoft Uighur"/>
-        <a:font script="Geor" typeface="Sylfaen"/>
-      </a:minorFont>
-    </a:fontScheme>
-    <a:fmtScheme name="Office">
-      <a:fillStyleLst>
-        <a:solidFill>
-          <a:schemeClr val="phClr"/>
-        </a:solidFill>
-        <a:gradFill rotWithShape="1">
-          <a:gsLst>
-            <a:gs pos="0">
-              <a:schemeClr val="phClr">
-                <a:tint val="50000"/>
-                <a:satMod val="300000"/>
-              </a:schemeClr>
-            </a:gs>
-            <a:gs pos="35000">
-              <a:schemeClr val="phClr">
-                <a:tint val="37000"/>
-                <a:satMod val="300000"/>
-              </a:schemeClr>
-            </a:gs>
-            <a:gs pos="100000">
-              <a:schemeClr val="phClr">
-                <a:tint val="15000"/>
-                <a:satMod val="350000"/>
-              </a:schemeClr>
-            </a:gs>
-          </a:gsLst>
-          <a:lin ang="16200000" scaled="1"/>
-        </a:gradFill>
-        <a:gradFill rotWithShape="1">
-          <a:gsLst>
-            <a:gs pos="0">
-              <a:schemeClr val="phClr">
-                <a:tint val="100000"/>
-                <a:shade val="100000"/>
-                <a:satMod val="130000"/>
-              </a:schemeClr>
-            </a:gs>
-            <a:gs pos="100000">
-              <a:schemeClr val="phClr">
-                <a:tint val="50000"/>
-                <a:shade val="100000"/>
-                <a:satMod val="350000"/>
-              </a:schemeClr>
-            </a:gs>
-          </a:gsLst>
-          <a:lin ang="16200000" scaled="0"/>
-        </a:gradFill>
-      </a:fillStyleLst>
-      <a:lnStyleLst>
-        <a:ln w="9525" cap="flat" cmpd="sng" algn="ctr">
-          <a:solidFill>
-            <a:schemeClr val="phClr">
-              <a:shade val="95000"/>
-              <a:satMod val="105000"/>
-            </a:schemeClr>
-          </a:solidFill>
-          <a:prstDash val="solid"/>
-        </a:ln>
-        <a:ln w="25400" cap="flat" cmpd="sng" algn="ctr">
-          <a:solidFill>
-            <a:schemeClr val="phClr"/>
-          </a:solidFill>
-          <a:prstDash val="solid"/>
-        </a:ln>
-        <a:ln w="38100" cap="flat" cmpd="sng" algn="ctr">
-          <a:solidFill>
-            <a:schemeClr val="phClr"/>
-          </a:solidFill>
-          <a:prstDash val="solid"/>
-        </a:ln>
-      </a:lnStyleLst>
-      <a:effectStyleLst>
-        <a:effectStyle>
-          <a:effectLst>
-            <a:outerShdw blurRad="40000" dist="20000" dir="5400000" rotWithShape="0">
-              <a:srgbClr val="000000">
-                <a:alpha val="38000"/>
-              </a:srgbClr>
-            </a:outerShdw>
-          </a:effectLst>
-        </a:effectStyle>
-        <a:effectStyle>
-          <a:effectLst>
-            <a:outerShdw blurRad="40000" dist="23000" dir="5400000" rotWithShape="0">
-              <a:srgbClr val="000000">
-                <a:alpha val="35000"/>
-              </a:srgbClr>
-            </a:outerShdw>
-          </a:effectLst>
-        </a:effectStyle>
-        <a:effectStyle>
-          <a:effectLst>
-            <a:outerShdw blurRad="40000" dist="23000" dir="5400000" rotWithShape="0">
-              <a:srgbClr val="000000">
-                <a:alpha val="35000"/>
-              </a:srgbClr>
-            </a:outerShdw>
-          </a:effectLst>
-          <a:scene3d>
-            <a:camera prst="orthographicFront">
-              <a:rot lat="0" lon="0" rev="0"/>
-            </a:camera>
-            <a:lightRig rig="threePt" dir="t">
-              <a:rot lat="0" lon="0" rev="1200000"/>
-            </a:lightRig>
-          </a:scene3d>
-          <a:sp3d>
-            <a:bevelT w="63500" h="25400"/>
-          </a:sp3d>
-        </a:effectStyle>
-      </a:effectStyleLst>
-      <a:bgFillStyleLst>
-        <a:solidFill>
-          <a:schemeClr val="phClr"/>
-        </a:solidFill>
-        <a:gradFill rotWithShape="1">
-          <a:gsLst>
-            <a:gs pos="0">
-              <a:schemeClr val="phClr">
-                <a:tint val="40000"/>
-                <a:satMod val="350000"/>
-              </a:schemeClr>
-            </a:gs>
-            <a:gs pos="40000">
-              <a:schemeClr val="phClr">
-                <a:tint val="45000"/>
-                <a:shade val="99000"/>
-                <a:satMod val="350000"/>
-              </a:schemeClr>
-            </a:gs>
-            <a:gs pos="100000">
-              <a:schemeClr val="phClr">
-                <a:shade val="20000"/>
-                <a:satMod val="255000"/>
-              </a:schemeClr>
-            </a:gs>
-          </a:gsLst>
-          <a:path path="circle">
-            <a:fillToRect l="50000" t="-80000" r="50000" b="180000"/>
-          </a:path>
-        </a:gradFill>
-        <a:gradFill rotWithShape="1">
-          <a:gsLst>
-            <a:gs pos="0">
-              <a:schemeClr val="phClr">
-                <a:tint val="80000"/>
-                <a:satMod val="300000"/>
-              </a:schemeClr>
-            </a:gs>
-            <a:gs pos="100000">
-              <a:schemeClr val="phClr">
-                <a:shade val="30000"/>
-                <a:satMod val="200000"/>
-              </a:schemeClr>
-            </a:gs>
-          </a:gsLst>
-          <a:path path="circle">
-            <a:fillToRect l="50000" t="50000" r="50000" b="50000"/>
-          </a:path>
-        </a:gradFill>
-      </a:bgFillStyleLst>
-    </a:fmtScheme>
-  </a:themeElements>
-</a:theme>
 </file>
--- a/Slide Revisado 06-06-2024.pptx
+++ b/Slide Revisado 06-06-2024.pptx
@@ -1109,7 +1109,7 @@
   <p:cSld>
     <p:spTree>
       <p:nvGrpSpPr>
-        <p:cNvPr id="298" name="Shape 298"/>
+        <p:cNvPr id="299" name="Shape 299"/>
         <p:cNvGrpSpPr/>
         <p:nvPr/>
       </p:nvGrpSpPr>
@@ -1123,7 +1123,7 @@
       </p:grpSpPr>
       <p:sp>
         <p:nvSpPr>
-          <p:cNvPr id="299" name="Google Shape;299;g211a0ac6523_0_5:notes"/>
+          <p:cNvPr id="300" name="Google Shape;300;g211a0ac6523_0_5:notes"/>
           <p:cNvSpPr/>
           <p:nvPr>
             <p:ph idx="2" type="sldImg"/>
@@ -1158,7 +1158,7 @@
       </p:sp>
       <p:sp>
         <p:nvSpPr>
-          <p:cNvPr id="300" name="Google Shape;300;g211a0ac6523_0_5:notes"/>
+          <p:cNvPr id="301" name="Google Shape;301;g211a0ac6523_0_5:notes"/>
           <p:cNvSpPr txBox="1"/>
           <p:nvPr>
             <p:ph idx="1" type="body"/>
@@ -1208,7 +1208,7 @@
   <p:cSld>
     <p:spTree>
       <p:nvGrpSpPr>
-        <p:cNvPr id="305" name="Shape 305"/>
+        <p:cNvPr id="306" name="Shape 306"/>
         <p:cNvGrpSpPr/>
         <p:nvPr/>
       </p:nvGrpSpPr>
@@ -1222,7 +1222,7 @@
       </p:grpSpPr>
       <p:sp>
         <p:nvSpPr>
-          <p:cNvPr id="306" name="Google Shape;306;g211a0ac6523_0_10:notes"/>
+          <p:cNvPr id="307" name="Google Shape;307;g211a0ac6523_0_10:notes"/>
           <p:cNvSpPr/>
           <p:nvPr>
             <p:ph idx="2" type="sldImg"/>
@@ -1257,7 +1257,7 @@
       </p:sp>
       <p:sp>
         <p:nvSpPr>
-          <p:cNvPr id="307" name="Google Shape;307;g211a0ac6523_0_10:notes"/>
+          <p:cNvPr id="308" name="Google Shape;308;g211a0ac6523_0_10:notes"/>
           <p:cNvSpPr txBox="1"/>
           <p:nvPr>
             <p:ph idx="1" type="body"/>
@@ -1307,7 +1307,7 @@
   <p:cSld>
     <p:spTree>
       <p:nvGrpSpPr>
-        <p:cNvPr id="311" name="Shape 311"/>
+        <p:cNvPr id="312" name="Shape 312"/>
         <p:cNvGrpSpPr/>
         <p:nvPr/>
       </p:nvGrpSpPr>
@@ -1321,7 +1321,7 @@
       </p:grpSpPr>
       <p:sp>
         <p:nvSpPr>
-          <p:cNvPr id="312" name="Google Shape;312;g211a0ac6523_0_15:notes"/>
+          <p:cNvPr id="313" name="Google Shape;313;g211a0ac6523_0_15:notes"/>
           <p:cNvSpPr/>
           <p:nvPr>
             <p:ph idx="2" type="sldImg"/>
@@ -1356,7 +1356,7 @@
       </p:sp>
       <p:sp>
         <p:nvSpPr>
-          <p:cNvPr id="313" name="Google Shape;313;g211a0ac6523_0_15:notes"/>
+          <p:cNvPr id="314" name="Google Shape;314;g211a0ac6523_0_15:notes"/>
           <p:cNvSpPr txBox="1"/>
           <p:nvPr>
             <p:ph idx="1" type="body"/>
@@ -1406,7 +1406,7 @@
   <p:cSld>
     <p:spTree>
       <p:nvGrpSpPr>
-        <p:cNvPr id="316" name="Shape 316"/>
+        <p:cNvPr id="317" name="Shape 317"/>
         <p:cNvGrpSpPr/>
         <p:nvPr/>
       </p:nvGrpSpPr>
@@ -1420,7 +1420,7 @@
       </p:grpSpPr>
       <p:sp>
         <p:nvSpPr>
-          <p:cNvPr id="317" name="Google Shape;317;g28f7ef9cfe7_0_9:notes"/>
+          <p:cNvPr id="318" name="Google Shape;318;g28f7ef9cfe7_0_9:notes"/>
           <p:cNvSpPr/>
           <p:nvPr>
             <p:ph idx="2" type="sldImg"/>
@@ -1455,7 +1455,7 @@
       </p:sp>
       <p:sp>
         <p:nvSpPr>
-          <p:cNvPr id="318" name="Google Shape;318;g28f7ef9cfe7_0_9:notes"/>
+          <p:cNvPr id="319" name="Google Shape;319;g28f7ef9cfe7_0_9:notes"/>
           <p:cNvSpPr txBox="1"/>
           <p:nvPr>
             <p:ph idx="1" type="body"/>
@@ -1505,7 +1505,7 @@
   <p:cSld>
     <p:spTree>
       <p:nvGrpSpPr>
-        <p:cNvPr id="322" name="Shape 322"/>
+        <p:cNvPr id="323" name="Shape 323"/>
         <p:cNvGrpSpPr/>
         <p:nvPr/>
       </p:nvGrpSpPr>
@@ -1519,7 +1519,7 @@
       </p:grpSpPr>
       <p:sp>
         <p:nvSpPr>
-          <p:cNvPr id="323" name="Google Shape;323;g28f7ef9cfe7_0_16:notes"/>
+          <p:cNvPr id="324" name="Google Shape;324;g28f7ef9cfe7_0_16:notes"/>
           <p:cNvSpPr/>
           <p:nvPr>
             <p:ph idx="2" type="sldImg"/>
@@ -1554,7 +1554,7 @@
       </p:sp>
       <p:sp>
         <p:nvSpPr>
-          <p:cNvPr id="324" name="Google Shape;324;g28f7ef9cfe7_0_16:notes"/>
+          <p:cNvPr id="325" name="Google Shape;325;g28f7ef9cfe7_0_16:notes"/>
           <p:cNvSpPr txBox="1"/>
           <p:nvPr>
             <p:ph idx="1" type="body"/>
@@ -16872,6 +16872,64 @@
           </a:ln>
         </p:spPr>
       </p:pic>
+      <p:sp>
+        <p:nvSpPr>
+          <p:cNvPr id="298" name="Google Shape;298;p16"/>
+          <p:cNvSpPr txBox="1"/>
+          <p:nvPr/>
+        </p:nvSpPr>
+        <p:spPr>
+          <a:xfrm>
+            <a:off x="7477125" y="2156550"/>
+            <a:ext cx="1178700" cy="415200"/>
+          </a:xfrm>
+          <a:prstGeom prst="rect">
+            <a:avLst/>
+          </a:prstGeom>
+          <a:noFill/>
+          <a:ln>
+            <a:noFill/>
+          </a:ln>
+        </p:spPr>
+        <p:txBody>
+          <a:bodyPr anchorCtr="0" anchor="t" bIns="91425" lIns="91425" spcFirstLastPara="1" rIns="91425" wrap="square" tIns="91425">
+            <a:noAutofit/>
+          </a:bodyPr>
+          <a:lstStyle/>
+          <a:p>
+            <a:pPr indent="0" lvl="0" marL="0" rtl="0" algn="l">
+              <a:spcBef>
+                <a:spcPts val="0"/>
+              </a:spcBef>
+              <a:spcAft>
+                <a:spcPts val="0"/>
+              </a:spcAft>
+              <a:buNone/>
+            </a:pPr>
+            <a:r>
+              <a:rPr lang="pt-BR" sz="1300">
+                <a:solidFill>
+                  <a:schemeClr val="dk2"/>
+                </a:solidFill>
+                <a:latin typeface="Nunito"/>
+                <a:ea typeface="Nunito"/>
+                <a:cs typeface="Nunito"/>
+                <a:sym typeface="Nunito"/>
+              </a:rPr>
+              <a:t>Obs: 2</a:t>
+            </a:r>
+            <a:endParaRPr sz="1300">
+              <a:solidFill>
+                <a:schemeClr val="dk2"/>
+              </a:solidFill>
+              <a:latin typeface="Nunito"/>
+              <a:ea typeface="Nunito"/>
+              <a:cs typeface="Nunito"/>
+              <a:sym typeface="Nunito"/>
+            </a:endParaRPr>
+          </a:p>
+        </p:txBody>
+      </p:sp>
     </p:spTree>
   </p:cSld>
   <p:clrMapOvr>
@@ -16885,7 +16943,7 @@
   <p:cSld>
     <p:spTree>
       <p:nvGrpSpPr>
-        <p:cNvPr id="301" name="Shape 301"/>
+        <p:cNvPr id="302" name="Shape 302"/>
         <p:cNvGrpSpPr/>
         <p:nvPr/>
       </p:nvGrpSpPr>
@@ -16899,7 +16957,7 @@
       </p:grpSpPr>
       <p:pic>
         <p:nvPicPr>
-          <p:cNvPr id="302" name="Google Shape;302;p17"/>
+          <p:cNvPr id="303" name="Google Shape;303;p17"/>
           <p:cNvPicPr preferRelativeResize="0"/>
           <p:nvPr/>
         </p:nvPicPr>
@@ -16927,7 +16985,7 @@
       </p:pic>
       <p:pic>
         <p:nvPicPr>
-          <p:cNvPr id="303" name="Google Shape;303;p17"/>
+          <p:cNvPr id="304" name="Google Shape;304;p17"/>
           <p:cNvPicPr preferRelativeResize="0"/>
           <p:nvPr/>
         </p:nvPicPr>
@@ -16955,7 +17013,7 @@
       </p:pic>
       <p:sp>
         <p:nvSpPr>
-          <p:cNvPr id="304" name="Google Shape;304;p17"/>
+          <p:cNvPr id="305" name="Google Shape;305;p17"/>
           <p:cNvSpPr txBox="1"/>
           <p:nvPr/>
         </p:nvSpPr>
@@ -17024,7 +17082,7 @@
   <p:cSld>
     <p:spTree>
       <p:nvGrpSpPr>
-        <p:cNvPr id="308" name="Shape 308"/>
+        <p:cNvPr id="309" name="Shape 309"/>
         <p:cNvGrpSpPr/>
         <p:nvPr/>
       </p:nvGrpSpPr>
@@ -17038,7 +17096,7 @@
       </p:grpSpPr>
       <p:pic>
         <p:nvPicPr>
-          <p:cNvPr id="309" name="Google Shape;309;p18"/>
+          <p:cNvPr id="310" name="Google Shape;310;p18"/>
           <p:cNvPicPr preferRelativeResize="0"/>
           <p:nvPr/>
         </p:nvPicPr>
@@ -17066,7 +17124,7 @@
       </p:pic>
       <p:pic>
         <p:nvPicPr>
-          <p:cNvPr id="310" name="Google Shape;310;p18"/>
+          <p:cNvPr id="311" name="Google Shape;311;p18"/>
           <p:cNvPicPr preferRelativeResize="0"/>
           <p:nvPr/>
         </p:nvPicPr>
@@ -17105,7 +17163,7 @@
   <p:cSld>
     <p:spTree>
       <p:nvGrpSpPr>
-        <p:cNvPr id="314" name="Shape 314"/>
+        <p:cNvPr id="315" name="Shape 315"/>
         <p:cNvGrpSpPr/>
         <p:nvPr/>
       </p:nvGrpSpPr>
@@ -17119,7 +17177,7 @@
       </p:grpSpPr>
       <p:pic>
         <p:nvPicPr>
-          <p:cNvPr id="315" name="Google Shape;315;p19"/>
+          <p:cNvPr id="316" name="Google Shape;316;p19"/>
           <p:cNvPicPr preferRelativeResize="0"/>
           <p:nvPr/>
         </p:nvPicPr>
@@ -17158,7 +17216,7 @@
   <p:cSld>
     <p:spTree>
       <p:nvGrpSpPr>
-        <p:cNvPr id="319" name="Shape 319"/>
+        <p:cNvPr id="320" name="Shape 320"/>
         <p:cNvGrpSpPr/>
         <p:nvPr/>
       </p:nvGrpSpPr>
@@ -17172,7 +17230,7 @@
       </p:grpSpPr>
       <p:pic>
         <p:nvPicPr>
-          <p:cNvPr id="320" name="Google Shape;320;p20"/>
+          <p:cNvPr id="321" name="Google Shape;321;p20"/>
           <p:cNvPicPr preferRelativeResize="0"/>
           <p:nvPr/>
         </p:nvPicPr>
@@ -17200,7 +17258,7 @@
       </p:pic>
       <p:sp>
         <p:nvSpPr>
-          <p:cNvPr id="321" name="Google Shape;321;p20"/>
+          <p:cNvPr id="322" name="Google Shape;322;p20"/>
           <p:cNvSpPr txBox="1"/>
           <p:nvPr/>
         </p:nvSpPr>
@@ -17269,7 +17327,7 @@
   <p:cSld>
     <p:spTree>
       <p:nvGrpSpPr>
-        <p:cNvPr id="325" name="Shape 325"/>
+        <p:cNvPr id="326" name="Shape 326"/>
         <p:cNvGrpSpPr/>
         <p:nvPr/>
       </p:nvGrpSpPr>
@@ -17283,7 +17341,7 @@
       </p:grpSpPr>
       <p:pic>
         <p:nvPicPr>
-          <p:cNvPr id="326" name="Google Shape;326;p21"/>
+          <p:cNvPr id="327" name="Google Shape;327;p21"/>
           <p:cNvPicPr preferRelativeResize="0"/>
           <p:nvPr/>
         </p:nvPicPr>

--- a/Slide Revisado 06-06-2024.pptx
+++ b/Slide Revisado 06-06-2024.pptx
@@ -1109,7 +1109,7 @@
   <p:cSld>
     <p:spTree>
       <p:nvGrpSpPr>
-        <p:cNvPr id="299" name="Shape 299"/>
+        <p:cNvPr id="300" name="Shape 300"/>
         <p:cNvGrpSpPr/>
         <p:nvPr/>
       </p:nvGrpSpPr>
@@ -1123,7 +1123,7 @@
       </p:grpSpPr>
       <p:sp>
         <p:nvSpPr>
-          <p:cNvPr id="300" name="Google Shape;300;g211a0ac6523_0_5:notes"/>
+          <p:cNvPr id="301" name="Google Shape;301;g211a0ac6523_0_5:notes"/>
           <p:cNvSpPr/>
           <p:nvPr>
             <p:ph idx="2" type="sldImg"/>
@@ -1158,7 +1158,7 @@
       </p:sp>
       <p:sp>
         <p:nvSpPr>
-          <p:cNvPr id="301" name="Google Shape;301;g211a0ac6523_0_5:notes"/>
+          <p:cNvPr id="302" name="Google Shape;302;g211a0ac6523_0_5:notes"/>
           <p:cNvSpPr txBox="1"/>
           <p:nvPr>
             <p:ph idx="1" type="body"/>
@@ -1208,7 +1208,7 @@
   <p:cSld>
     <p:spTree>
       <p:nvGrpSpPr>
-        <p:cNvPr id="306" name="Shape 306"/>
+        <p:cNvPr id="309" name="Shape 309"/>
         <p:cNvGrpSpPr/>
         <p:nvPr/>
       </p:nvGrpSpPr>
@@ -1222,7 +1222,7 @@
       </p:grpSpPr>
       <p:sp>
         <p:nvSpPr>
-          <p:cNvPr id="307" name="Google Shape;307;g211a0ac6523_0_10:notes"/>
+          <p:cNvPr id="310" name="Google Shape;310;g211a0ac6523_0_10:notes"/>
           <p:cNvSpPr/>
           <p:nvPr>
             <p:ph idx="2" type="sldImg"/>
@@ -1257,7 +1257,7 @@
       </p:sp>
       <p:sp>
         <p:nvSpPr>
-          <p:cNvPr id="308" name="Google Shape;308;g211a0ac6523_0_10:notes"/>
+          <p:cNvPr id="311" name="Google Shape;311;g211a0ac6523_0_10:notes"/>
           <p:cNvSpPr txBox="1"/>
           <p:nvPr>
             <p:ph idx="1" type="body"/>
@@ -1307,7 +1307,7 @@
   <p:cSld>
     <p:spTree>
       <p:nvGrpSpPr>
-        <p:cNvPr id="312" name="Shape 312"/>
+        <p:cNvPr id="318" name="Shape 318"/>
         <p:cNvGrpSpPr/>
         <p:nvPr/>
       </p:nvGrpSpPr>
@@ -1321,7 +1321,7 @@
       </p:grpSpPr>
       <p:sp>
         <p:nvSpPr>
-          <p:cNvPr id="313" name="Google Shape;313;g211a0ac6523_0_15:notes"/>
+          <p:cNvPr id="319" name="Google Shape;319;g211a0ac6523_0_15:notes"/>
           <p:cNvSpPr/>
           <p:nvPr>
             <p:ph idx="2" type="sldImg"/>
@@ -1356,7 +1356,7 @@
       </p:sp>
       <p:sp>
         <p:nvSpPr>
-          <p:cNvPr id="314" name="Google Shape;314;g211a0ac6523_0_15:notes"/>
+          <p:cNvPr id="320" name="Google Shape;320;g211a0ac6523_0_15:notes"/>
           <p:cNvSpPr txBox="1"/>
           <p:nvPr>
             <p:ph idx="1" type="body"/>
@@ -1406,7 +1406,7 @@
   <p:cSld>
     <p:spTree>
       <p:nvGrpSpPr>
-        <p:cNvPr id="317" name="Shape 317"/>
+        <p:cNvPr id="323" name="Shape 323"/>
         <p:cNvGrpSpPr/>
         <p:nvPr/>
       </p:nvGrpSpPr>
@@ -1420,7 +1420,7 @@
       </p:grpSpPr>
       <p:sp>
         <p:nvSpPr>
-          <p:cNvPr id="318" name="Google Shape;318;g28f7ef9cfe7_0_9:notes"/>
+          <p:cNvPr id="324" name="Google Shape;324;g28f7ef9cfe7_0_9:notes"/>
           <p:cNvSpPr/>
           <p:nvPr>
             <p:ph idx="2" type="sldImg"/>
@@ -1455,7 +1455,7 @@
       </p:sp>
       <p:sp>
         <p:nvSpPr>
-          <p:cNvPr id="319" name="Google Shape;319;g28f7ef9cfe7_0_9:notes"/>
+          <p:cNvPr id="325" name="Google Shape;325;g28f7ef9cfe7_0_9:notes"/>
           <p:cNvSpPr txBox="1"/>
           <p:nvPr>
             <p:ph idx="1" type="body"/>
@@ -1505,7 +1505,7 @@
   <p:cSld>
     <p:spTree>
       <p:nvGrpSpPr>
-        <p:cNvPr id="323" name="Shape 323"/>
+        <p:cNvPr id="329" name="Shape 329"/>
         <p:cNvGrpSpPr/>
         <p:nvPr/>
       </p:nvGrpSpPr>
@@ -1519,7 +1519,7 @@
       </p:grpSpPr>
       <p:sp>
         <p:nvSpPr>
-          <p:cNvPr id="324" name="Google Shape;324;g28f7ef9cfe7_0_16:notes"/>
+          <p:cNvPr id="330" name="Google Shape;330;g28f7ef9cfe7_0_16:notes"/>
           <p:cNvSpPr/>
           <p:nvPr>
             <p:ph idx="2" type="sldImg"/>
@@ -1554,7 +1554,7 @@
       </p:sp>
       <p:sp>
         <p:nvSpPr>
-          <p:cNvPr id="325" name="Google Shape;325;g28f7ef9cfe7_0_16:notes"/>
+          <p:cNvPr id="331" name="Google Shape;331;g28f7ef9cfe7_0_16:notes"/>
           <p:cNvSpPr txBox="1"/>
           <p:nvPr>
             <p:ph idx="1" type="body"/>
@@ -16076,8 +16076,8 @@
         </p:nvSpPr>
         <p:spPr>
           <a:xfrm>
-            <a:off x="683125" y="642900"/>
-            <a:ext cx="7943100" cy="4005000"/>
+            <a:off x="-355803" y="378389"/>
+            <a:ext cx="7943100" cy="3757500"/>
           </a:xfrm>
           <a:prstGeom prst="rect">
             <a:avLst/>
@@ -16112,7 +16112,7 @@
                 <a:cs typeface="Nunito"/>
                 <a:sym typeface="Nunito"/>
               </a:rPr>
-              <a:t>A nossa empresa de lojas eletrônicos está organizada em departamentos.  Cada departamento te um nome, um número único e um empregado que gerencia o departamento. Um departamento pode ter diversas localizações.</a:t>
+              <a:t>A nossa empresa de loja de eletrônicos está organizada em um grupo de pessoas.  Cada departamento tem um nome, um id e um empregado que gerencia o departamento. Um departamento pode ter diversas localizações.</a:t>
             </a:r>
             <a:endParaRPr sz="1300">
               <a:solidFill>
@@ -16342,7 +16342,19 @@
                 <a:cs typeface="Nunito"/>
                 <a:sym typeface="Nunito"/>
               </a:rPr>
-              <a:t>Do empregado que possa armazena-se o nome, o número do seguro social, endereço, salário , sexo e data de nascimento, todo empregado é alocado, em um departamento mais que pode trabalhar em diversos projetos.</a:t>
+              <a:t>Que o</a:t>
+            </a:r>
+            <a:r>
+              <a:rPr lang="pt-BR" sz="1300">
+                <a:solidFill>
+                  <a:srgbClr val="FFFFFF"/>
+                </a:solidFill>
+                <a:latin typeface="Nunito"/>
+                <a:ea typeface="Nunito"/>
+                <a:cs typeface="Nunito"/>
+                <a:sym typeface="Nunito"/>
+              </a:rPr>
+              <a:t> empregado possa armazenar o nome, o número do seguro social, endereço, salário , sexo e data de nascimento, todo empregado é alocado, em um departamento mais que pode trabalhar em diversos projetos.</a:t>
             </a:r>
             <a:endParaRPr sz="1300">
               <a:solidFill>
@@ -16930,6 +16942,64 @@
           </a:p>
         </p:txBody>
       </p:sp>
+      <p:sp>
+        <p:nvSpPr>
+          <p:cNvPr id="299" name="Google Shape;299;p16"/>
+          <p:cNvSpPr txBox="1"/>
+          <p:nvPr/>
+        </p:nvSpPr>
+        <p:spPr>
+          <a:xfrm>
+            <a:off x="7344825" y="3806838"/>
+            <a:ext cx="803700" cy="267900"/>
+          </a:xfrm>
+          <a:prstGeom prst="rect">
+            <a:avLst/>
+          </a:prstGeom>
+          <a:noFill/>
+          <a:ln>
+            <a:noFill/>
+          </a:ln>
+        </p:spPr>
+        <p:txBody>
+          <a:bodyPr anchorCtr="0" anchor="t" bIns="91425" lIns="91425" spcFirstLastPara="1" rIns="91425" wrap="square" tIns="91425">
+            <a:noAutofit/>
+          </a:bodyPr>
+          <a:lstStyle/>
+          <a:p>
+            <a:pPr indent="0" lvl="0" marL="0" rtl="0" algn="l">
+              <a:spcBef>
+                <a:spcPts val="0"/>
+              </a:spcBef>
+              <a:spcAft>
+                <a:spcPts val="0"/>
+              </a:spcAft>
+              <a:buNone/>
+            </a:pPr>
+            <a:r>
+              <a:rPr lang="pt-BR" sz="1300">
+                <a:solidFill>
+                  <a:schemeClr val="dk2"/>
+                </a:solidFill>
+                <a:latin typeface="Nunito"/>
+                <a:ea typeface="Nunito"/>
+                <a:cs typeface="Nunito"/>
+                <a:sym typeface="Nunito"/>
+              </a:rPr>
+              <a:t>Obs: 5</a:t>
+            </a:r>
+            <a:endParaRPr sz="1300">
+              <a:solidFill>
+                <a:schemeClr val="dk2"/>
+              </a:solidFill>
+              <a:latin typeface="Nunito"/>
+              <a:ea typeface="Nunito"/>
+              <a:cs typeface="Nunito"/>
+              <a:sym typeface="Nunito"/>
+            </a:endParaRPr>
+          </a:p>
+        </p:txBody>
+      </p:sp>
     </p:spTree>
   </p:cSld>
   <p:clrMapOvr>
@@ -16943,7 +17013,7 @@
   <p:cSld>
     <p:spTree>
       <p:nvGrpSpPr>
-        <p:cNvPr id="302" name="Shape 302"/>
+        <p:cNvPr id="303" name="Shape 303"/>
         <p:cNvGrpSpPr/>
         <p:nvPr/>
       </p:nvGrpSpPr>
@@ -16957,7 +17027,7 @@
       </p:grpSpPr>
       <p:pic>
         <p:nvPicPr>
-          <p:cNvPr id="303" name="Google Shape;303;p17"/>
+          <p:cNvPr id="304" name="Google Shape;304;p17"/>
           <p:cNvPicPr preferRelativeResize="0"/>
           <p:nvPr/>
         </p:nvPicPr>
@@ -16985,7 +17055,7 @@
       </p:pic>
       <p:pic>
         <p:nvPicPr>
-          <p:cNvPr id="304" name="Google Shape;304;p17"/>
+          <p:cNvPr id="305" name="Google Shape;305;p17"/>
           <p:cNvPicPr preferRelativeResize="0"/>
           <p:nvPr/>
         </p:nvPicPr>
@@ -17013,7 +17083,7 @@
       </p:pic>
       <p:sp>
         <p:nvSpPr>
-          <p:cNvPr id="305" name="Google Shape;305;p17"/>
+          <p:cNvPr id="306" name="Google Shape;306;p17"/>
           <p:cNvSpPr txBox="1"/>
           <p:nvPr/>
         </p:nvSpPr>
@@ -17056,6 +17126,122 @@
                 <a:sym typeface="Nunito"/>
               </a:rPr>
               <a:t>3</a:t>
+            </a:r>
+            <a:endParaRPr sz="1300">
+              <a:solidFill>
+                <a:schemeClr val="dk2"/>
+              </a:solidFill>
+              <a:latin typeface="Nunito"/>
+              <a:ea typeface="Nunito"/>
+              <a:cs typeface="Nunito"/>
+              <a:sym typeface="Nunito"/>
+            </a:endParaRPr>
+          </a:p>
+        </p:txBody>
+      </p:sp>
+      <p:sp>
+        <p:nvSpPr>
+          <p:cNvPr id="307" name="Google Shape;307;p17"/>
+          <p:cNvSpPr txBox="1"/>
+          <p:nvPr/>
+        </p:nvSpPr>
+        <p:spPr>
+          <a:xfrm>
+            <a:off x="7486650" y="2062750"/>
+            <a:ext cx="951000" cy="281400"/>
+          </a:xfrm>
+          <a:prstGeom prst="rect">
+            <a:avLst/>
+          </a:prstGeom>
+          <a:noFill/>
+          <a:ln>
+            <a:noFill/>
+          </a:ln>
+        </p:spPr>
+        <p:txBody>
+          <a:bodyPr anchorCtr="0" anchor="t" bIns="91425" lIns="91425" spcFirstLastPara="1" rIns="91425" wrap="square" tIns="91425">
+            <a:noAutofit/>
+          </a:bodyPr>
+          <a:lstStyle/>
+          <a:p>
+            <a:pPr indent="0" lvl="0" marL="0" rtl="0" algn="l">
+              <a:spcBef>
+                <a:spcPts val="0"/>
+              </a:spcBef>
+              <a:spcAft>
+                <a:spcPts val="0"/>
+              </a:spcAft>
+              <a:buNone/>
+            </a:pPr>
+            <a:r>
+              <a:rPr lang="pt-BR" sz="1300">
+                <a:solidFill>
+                  <a:schemeClr val="dk2"/>
+                </a:solidFill>
+                <a:latin typeface="Nunito"/>
+                <a:ea typeface="Nunito"/>
+                <a:cs typeface="Nunito"/>
+                <a:sym typeface="Nunito"/>
+              </a:rPr>
+              <a:t>Obs: 5,2</a:t>
+            </a:r>
+            <a:endParaRPr sz="1300">
+              <a:solidFill>
+                <a:schemeClr val="dk2"/>
+              </a:solidFill>
+              <a:latin typeface="Nunito"/>
+              <a:ea typeface="Nunito"/>
+              <a:cs typeface="Nunito"/>
+              <a:sym typeface="Nunito"/>
+            </a:endParaRPr>
+          </a:p>
+        </p:txBody>
+      </p:sp>
+      <p:sp>
+        <p:nvSpPr>
+          <p:cNvPr id="308" name="Google Shape;308;p17"/>
+          <p:cNvSpPr txBox="1"/>
+          <p:nvPr/>
+        </p:nvSpPr>
+        <p:spPr>
+          <a:xfrm>
+            <a:off x="7533900" y="2742175"/>
+            <a:ext cx="856500" cy="281400"/>
+          </a:xfrm>
+          <a:prstGeom prst="rect">
+            <a:avLst/>
+          </a:prstGeom>
+          <a:noFill/>
+          <a:ln>
+            <a:noFill/>
+          </a:ln>
+        </p:spPr>
+        <p:txBody>
+          <a:bodyPr anchorCtr="0" anchor="t" bIns="91425" lIns="91425" spcFirstLastPara="1" rIns="91425" wrap="square" tIns="91425">
+            <a:noAutofit/>
+          </a:bodyPr>
+          <a:lstStyle/>
+          <a:p>
+            <a:pPr indent="0" lvl="0" marL="0" rtl="0" algn="l">
+              <a:spcBef>
+                <a:spcPts val="0"/>
+              </a:spcBef>
+              <a:spcAft>
+                <a:spcPts val="0"/>
+              </a:spcAft>
+              <a:buNone/>
+            </a:pPr>
+            <a:r>
+              <a:rPr lang="pt-BR" sz="1300">
+                <a:solidFill>
+                  <a:schemeClr val="dk2"/>
+                </a:solidFill>
+                <a:latin typeface="Nunito"/>
+                <a:ea typeface="Nunito"/>
+                <a:cs typeface="Nunito"/>
+                <a:sym typeface="Nunito"/>
+              </a:rPr>
+              <a:t>Obs: 8</a:t>
             </a:r>
             <a:endParaRPr sz="1300">
               <a:solidFill>
@@ -17082,7 +17268,7 @@
   <p:cSld>
     <p:spTree>
       <p:nvGrpSpPr>
-        <p:cNvPr id="309" name="Shape 309"/>
+        <p:cNvPr id="312" name="Shape 312"/>
         <p:cNvGrpSpPr/>
         <p:nvPr/>
       </p:nvGrpSpPr>
@@ -17096,7 +17282,7 @@
       </p:grpSpPr>
       <p:pic>
         <p:nvPicPr>
-          <p:cNvPr id="310" name="Google Shape;310;p18"/>
+          <p:cNvPr id="313" name="Google Shape;313;p18"/>
           <p:cNvPicPr preferRelativeResize="0"/>
           <p:nvPr/>
         </p:nvPicPr>
@@ -17124,7 +17310,7 @@
       </p:pic>
       <p:pic>
         <p:nvPicPr>
-          <p:cNvPr id="311" name="Google Shape;311;p18"/>
+          <p:cNvPr id="314" name="Google Shape;314;p18"/>
           <p:cNvPicPr preferRelativeResize="0"/>
           <p:nvPr/>
         </p:nvPicPr>
@@ -17150,6 +17336,180 @@
           </a:ln>
         </p:spPr>
       </p:pic>
+      <p:sp>
+        <p:nvSpPr>
+          <p:cNvPr id="315" name="Google Shape;315;p18"/>
+          <p:cNvSpPr txBox="1"/>
+          <p:nvPr/>
+        </p:nvSpPr>
+        <p:spPr>
+          <a:xfrm>
+            <a:off x="7496175" y="1433200"/>
+            <a:ext cx="803700" cy="294600"/>
+          </a:xfrm>
+          <a:prstGeom prst="rect">
+            <a:avLst/>
+          </a:prstGeom>
+          <a:noFill/>
+          <a:ln>
+            <a:noFill/>
+          </a:ln>
+        </p:spPr>
+        <p:txBody>
+          <a:bodyPr anchorCtr="0" anchor="t" bIns="91425" lIns="91425" spcFirstLastPara="1" rIns="91425" wrap="square" tIns="91425">
+            <a:noAutofit/>
+          </a:bodyPr>
+          <a:lstStyle/>
+          <a:p>
+            <a:pPr indent="0" lvl="0" marL="0" rtl="0" algn="l">
+              <a:spcBef>
+                <a:spcPts val="0"/>
+              </a:spcBef>
+              <a:spcAft>
+                <a:spcPts val="0"/>
+              </a:spcAft>
+              <a:buNone/>
+            </a:pPr>
+            <a:r>
+              <a:rPr lang="pt-BR" sz="1300">
+                <a:solidFill>
+                  <a:schemeClr val="dk2"/>
+                </a:solidFill>
+                <a:latin typeface="Nunito"/>
+                <a:ea typeface="Nunito"/>
+                <a:cs typeface="Nunito"/>
+                <a:sym typeface="Nunito"/>
+              </a:rPr>
+              <a:t>Obs: 4,2</a:t>
+            </a:r>
+            <a:endParaRPr sz="1300">
+              <a:solidFill>
+                <a:schemeClr val="dk2"/>
+              </a:solidFill>
+              <a:latin typeface="Nunito"/>
+              <a:ea typeface="Nunito"/>
+              <a:cs typeface="Nunito"/>
+              <a:sym typeface="Nunito"/>
+            </a:endParaRPr>
+          </a:p>
+        </p:txBody>
+      </p:sp>
+      <p:sp>
+        <p:nvSpPr>
+          <p:cNvPr id="316" name="Google Shape;316;p18"/>
+          <p:cNvSpPr txBox="1"/>
+          <p:nvPr/>
+        </p:nvSpPr>
+        <p:spPr>
+          <a:xfrm>
+            <a:off x="7514350" y="1851225"/>
+            <a:ext cx="991200" cy="254400"/>
+          </a:xfrm>
+          <a:prstGeom prst="rect">
+            <a:avLst/>
+          </a:prstGeom>
+          <a:noFill/>
+          <a:ln>
+            <a:noFill/>
+          </a:ln>
+        </p:spPr>
+        <p:txBody>
+          <a:bodyPr anchorCtr="0" anchor="t" bIns="91425" lIns="91425" spcFirstLastPara="1" rIns="91425" wrap="square" tIns="91425">
+            <a:noAutofit/>
+          </a:bodyPr>
+          <a:lstStyle/>
+          <a:p>
+            <a:pPr indent="0" lvl="0" marL="0" rtl="0" algn="l">
+              <a:spcBef>
+                <a:spcPts val="0"/>
+              </a:spcBef>
+              <a:spcAft>
+                <a:spcPts val="0"/>
+              </a:spcAft>
+              <a:buNone/>
+            </a:pPr>
+            <a:r>
+              <a:rPr lang="pt-BR" sz="1300">
+                <a:solidFill>
+                  <a:schemeClr val="dk2"/>
+                </a:solidFill>
+                <a:latin typeface="Nunito"/>
+                <a:ea typeface="Nunito"/>
+                <a:cs typeface="Nunito"/>
+                <a:sym typeface="Nunito"/>
+              </a:rPr>
+              <a:t>Obs: 3</a:t>
+            </a:r>
+            <a:endParaRPr sz="1300">
+              <a:solidFill>
+                <a:schemeClr val="dk2"/>
+              </a:solidFill>
+              <a:latin typeface="Nunito"/>
+              <a:ea typeface="Nunito"/>
+              <a:cs typeface="Nunito"/>
+              <a:sym typeface="Nunito"/>
+            </a:endParaRPr>
+          </a:p>
+        </p:txBody>
+      </p:sp>
+      <p:sp>
+        <p:nvSpPr>
+          <p:cNvPr id="317" name="Google Shape;317;p18"/>
+          <p:cNvSpPr txBox="1"/>
+          <p:nvPr/>
+        </p:nvSpPr>
+        <p:spPr>
+          <a:xfrm>
+            <a:off x="7608100" y="3830825"/>
+            <a:ext cx="803700" cy="294600"/>
+          </a:xfrm>
+          <a:prstGeom prst="rect">
+            <a:avLst/>
+          </a:prstGeom>
+          <a:noFill/>
+          <a:ln>
+            <a:noFill/>
+          </a:ln>
+        </p:spPr>
+        <p:txBody>
+          <a:bodyPr anchorCtr="0" anchor="t" bIns="91425" lIns="91425" spcFirstLastPara="1" rIns="91425" wrap="square" tIns="91425">
+            <a:noAutofit/>
+          </a:bodyPr>
+          <a:lstStyle/>
+          <a:p>
+            <a:pPr indent="0" lvl="0" marL="0" rtl="0" algn="l">
+              <a:spcBef>
+                <a:spcPts val="0"/>
+              </a:spcBef>
+              <a:spcAft>
+                <a:spcPts val="0"/>
+              </a:spcAft>
+              <a:buNone/>
+            </a:pPr>
+            <a:r>
+              <a:rPr lang="pt-BR" sz="1300">
+                <a:solidFill>
+                  <a:schemeClr val="dk2"/>
+                </a:solidFill>
+                <a:latin typeface="Nunito"/>
+                <a:ea typeface="Nunito"/>
+                <a:cs typeface="Nunito"/>
+                <a:sym typeface="Nunito"/>
+              </a:rPr>
+              <a:t>Obs: 2</a:t>
+            </a:r>
+            <a:endParaRPr sz="1300">
+              <a:solidFill>
+                <a:schemeClr val="dk2"/>
+              </a:solidFill>
+              <a:latin typeface="Nunito"/>
+              <a:ea typeface="Nunito"/>
+              <a:cs typeface="Nunito"/>
+              <a:sym typeface="Nunito"/>
+            </a:endParaRPr>
+          </a:p>
+        </p:txBody>
+      </p:sp>
     </p:spTree>
   </p:cSld>
   <p:clrMapOvr>
@@ -17163,7 +17523,7 @@
   <p:cSld>
     <p:spTree>
       <p:nvGrpSpPr>
-        <p:cNvPr id="315" name="Shape 315"/>
+        <p:cNvPr id="321" name="Shape 321"/>
         <p:cNvGrpSpPr/>
         <p:nvPr/>
       </p:nvGrpSpPr>
@@ -17177,7 +17537,7 @@
       </p:grpSpPr>
       <p:pic>
         <p:nvPicPr>
-          <p:cNvPr id="316" name="Google Shape;316;p19"/>
+          <p:cNvPr id="322" name="Google Shape;322;p19"/>
           <p:cNvPicPr preferRelativeResize="0"/>
           <p:nvPr/>
         </p:nvPicPr>
@@ -17216,7 +17576,7 @@
   <p:cSld>
     <p:spTree>
       <p:nvGrpSpPr>
-        <p:cNvPr id="320" name="Shape 320"/>
+        <p:cNvPr id="326" name="Shape 326"/>
         <p:cNvGrpSpPr/>
         <p:nvPr/>
       </p:nvGrpSpPr>
@@ -17230,7 +17590,7 @@
       </p:grpSpPr>
       <p:pic>
         <p:nvPicPr>
-          <p:cNvPr id="321" name="Google Shape;321;p20"/>
+          <p:cNvPr id="327" name="Google Shape;327;p20"/>
           <p:cNvPicPr preferRelativeResize="0"/>
           <p:nvPr/>
         </p:nvPicPr>
@@ -17258,7 +17618,7 @@
       </p:pic>
       <p:sp>
         <p:nvSpPr>
-          <p:cNvPr id="322" name="Google Shape;322;p20"/>
+          <p:cNvPr id="328" name="Google Shape;328;p20"/>
           <p:cNvSpPr txBox="1"/>
           <p:nvPr/>
         </p:nvSpPr>
@@ -17327,7 +17687,7 @@
   <p:cSld>
     <p:spTree>
       <p:nvGrpSpPr>
-        <p:cNvPr id="326" name="Shape 326"/>
+        <p:cNvPr id="332" name="Shape 332"/>
         <p:cNvGrpSpPr/>
         <p:nvPr/>
       </p:nvGrpSpPr>
@@ -17341,7 +17701,7 @@
       </p:grpSpPr>
       <p:pic>
         <p:nvPicPr>
-          <p:cNvPr id="327" name="Google Shape;327;p21"/>
+          <p:cNvPr id="333" name="Google Shape;333;p21"/>
           <p:cNvPicPr preferRelativeResize="0"/>
           <p:nvPr/>
         </p:nvPicPr>
